--- a/sqlserver-sql/sqlserver-dql-basic-operators.pptx
+++ b/sqlserver-sql/sqlserver-dql-basic-operators.pptx
@@ -318,7 +318,7 @@
           <a:p>
             <a:fld id="{241EB5C9-1307-BA42-ABA2-0BC069CD8E7F}" type="datetimeFigureOut">
               <a:rPr lang="en-US" smtClean="0"/>
-              <a:t>8/1/2025</a:t>
+              <a:t>8/5/2025</a:t>
             </a:fld>
             <a:endParaRPr lang="en-US"/>
           </a:p>
@@ -486,7 +486,7 @@
           <a:p>
             <a:fld id="{241EB5C9-1307-BA42-ABA2-0BC069CD8E7F}" type="datetimeFigureOut">
               <a:rPr lang="en-US" smtClean="0"/>
-              <a:t>8/1/2025</a:t>
+              <a:t>8/5/2025</a:t>
             </a:fld>
             <a:endParaRPr lang="en-US"/>
           </a:p>
@@ -664,7 +664,7 @@
           <a:p>
             <a:fld id="{241EB5C9-1307-BA42-ABA2-0BC069CD8E7F}" type="datetimeFigureOut">
               <a:rPr lang="en-US" smtClean="0"/>
-              <a:t>8/1/2025</a:t>
+              <a:t>8/5/2025</a:t>
             </a:fld>
             <a:endParaRPr lang="en-US"/>
           </a:p>
@@ -832,7 +832,7 @@
           <a:p>
             <a:fld id="{241EB5C9-1307-BA42-ABA2-0BC069CD8E7F}" type="datetimeFigureOut">
               <a:rPr lang="en-US" smtClean="0"/>
-              <a:t>8/1/2025</a:t>
+              <a:t>8/5/2025</a:t>
             </a:fld>
             <a:endParaRPr lang="en-US"/>
           </a:p>
@@ -1077,7 +1077,7 @@
           <a:p>
             <a:fld id="{241EB5C9-1307-BA42-ABA2-0BC069CD8E7F}" type="datetimeFigureOut">
               <a:rPr lang="en-US" smtClean="0"/>
-              <a:t>8/1/2025</a:t>
+              <a:t>8/5/2025</a:t>
             </a:fld>
             <a:endParaRPr lang="en-US"/>
           </a:p>
@@ -1362,7 +1362,7 @@
           <a:p>
             <a:fld id="{241EB5C9-1307-BA42-ABA2-0BC069CD8E7F}" type="datetimeFigureOut">
               <a:rPr lang="en-US" smtClean="0"/>
-              <a:t>8/1/2025</a:t>
+              <a:t>8/5/2025</a:t>
             </a:fld>
             <a:endParaRPr lang="en-US"/>
           </a:p>
@@ -1781,7 +1781,7 @@
           <a:p>
             <a:fld id="{241EB5C9-1307-BA42-ABA2-0BC069CD8E7F}" type="datetimeFigureOut">
               <a:rPr lang="en-US" smtClean="0"/>
-              <a:t>8/1/2025</a:t>
+              <a:t>8/5/2025</a:t>
             </a:fld>
             <a:endParaRPr lang="en-US"/>
           </a:p>
@@ -1898,7 +1898,7 @@
           <a:p>
             <a:fld id="{241EB5C9-1307-BA42-ABA2-0BC069CD8E7F}" type="datetimeFigureOut">
               <a:rPr lang="en-US" smtClean="0"/>
-              <a:t>8/1/2025</a:t>
+              <a:t>8/5/2025</a:t>
             </a:fld>
             <a:endParaRPr lang="en-US"/>
           </a:p>
@@ -1993,7 +1993,7 @@
           <a:p>
             <a:fld id="{241EB5C9-1307-BA42-ABA2-0BC069CD8E7F}" type="datetimeFigureOut">
               <a:rPr lang="en-US" smtClean="0"/>
-              <a:t>8/1/2025</a:t>
+              <a:t>8/5/2025</a:t>
             </a:fld>
             <a:endParaRPr lang="en-US"/>
           </a:p>
@@ -2268,7 +2268,7 @@
           <a:p>
             <a:fld id="{241EB5C9-1307-BA42-ABA2-0BC069CD8E7F}" type="datetimeFigureOut">
               <a:rPr lang="en-US" smtClean="0"/>
-              <a:t>8/1/2025</a:t>
+              <a:t>8/5/2025</a:t>
             </a:fld>
             <a:endParaRPr lang="en-US"/>
           </a:p>
@@ -2520,7 +2520,7 @@
           <a:p>
             <a:fld id="{241EB5C9-1307-BA42-ABA2-0BC069CD8E7F}" type="datetimeFigureOut">
               <a:rPr lang="en-US" smtClean="0"/>
-              <a:t>8/1/2025</a:t>
+              <a:t>8/5/2025</a:t>
             </a:fld>
             <a:endParaRPr lang="en-US"/>
           </a:p>
@@ -2731,7 +2731,7 @@
           <a:p>
             <a:fld id="{241EB5C9-1307-BA42-ABA2-0BC069CD8E7F}" type="datetimeFigureOut">
               <a:rPr lang="en-US" smtClean="0"/>
-              <a:t>8/1/2025</a:t>
+              <a:t>8/5/2025</a:t>
             </a:fld>
             <a:endParaRPr lang="en-US"/>
           </a:p>
@@ -3092,6 +3092,14 @@
 <file path=ppt/slides/slide1.xml><?xml version="1.0" encoding="utf-8"?>
 <p:sld xmlns:a="http://schemas.openxmlformats.org/drawingml/2006/main" xmlns:r="http://schemas.openxmlformats.org/officeDocument/2006/relationships" xmlns:p="http://schemas.openxmlformats.org/presentationml/2006/main">
   <p:cSld>
+    <p:bg>
+      <p:bgPr>
+        <a:solidFill>
+          <a:schemeClr val="bg1"/>
+        </a:solidFill>
+        <a:effectLst/>
+      </p:bgPr>
+    </p:bg>
     <p:spTree>
       <p:nvGrpSpPr>
         <p:cNvPr id="1" name=""/>
@@ -3106,9 +3114,659 @@
           <a:chExt cx="0" cy="0"/>
         </a:xfrm>
       </p:grpSpPr>
+      <p:sp>
+        <p:nvSpPr>
+          <p:cNvPr id="7" name="Rectangle 6">
+            <a:extLst>
+              <a:ext uri="{FF2B5EF4-FFF2-40B4-BE49-F238E27FC236}">
+                <a16:creationId xmlns:a16="http://schemas.microsoft.com/office/drawing/2014/main" id="{0B761509-3B9A-49A6-A84B-C3D86811697D}"/>
+              </a:ext>
+              <a:ext uri="{C183D7F6-B498-43B3-948B-1728B52AA6E4}">
+                <adec:decorative xmlns:adec="http://schemas.microsoft.com/office/drawing/2017/decorative" val="1"/>
+              </a:ext>
+            </a:extLst>
+          </p:cNvPr>
+          <p:cNvSpPr>
+            <a:spLocks noGrp="1" noRot="1" noChangeAspect="1" noMove="1" noResize="1" noEditPoints="1" noAdjustHandles="1" noChangeArrowheads="1" noChangeShapeType="1" noTextEdit="1"/>
+          </p:cNvSpPr>
+          <p:nvPr>
+            <p:extLst>
+              <p:ext uri="{386F3935-93C4-4BCD-93E2-E3B085C9AB24}">
+                <p16:designElem xmlns:p16="http://schemas.microsoft.com/office/powerpoint/2015/main" val="1"/>
+              </p:ext>
+            </p:extLst>
+          </p:nvPr>
+        </p:nvSpPr>
+        <p:spPr>
+          <a:xfrm>
+            <a:off x="1" y="0"/>
+            <a:ext cx="9143998" cy="5143500"/>
+          </a:xfrm>
+          <a:prstGeom prst="rect">
+            <a:avLst/>
+          </a:prstGeom>
+          <a:solidFill>
+            <a:schemeClr val="tx1"/>
+          </a:solidFill>
+          <a:ln>
+            <a:noFill/>
+          </a:ln>
+        </p:spPr>
+        <p:style>
+          <a:lnRef idx="2">
+            <a:schemeClr val="accent1">
+              <a:shade val="50000"/>
+            </a:schemeClr>
+          </a:lnRef>
+          <a:fillRef idx="1">
+            <a:schemeClr val="accent1"/>
+          </a:fillRef>
+          <a:effectRef idx="0">
+            <a:schemeClr val="accent1"/>
+          </a:effectRef>
+          <a:fontRef idx="minor">
+            <a:schemeClr val="lt1"/>
+          </a:fontRef>
+        </p:style>
+        <p:txBody>
+          <a:bodyPr rtlCol="0" anchor="ctr"/>
+          <a:lstStyle/>
+          <a:p>
+            <a:pPr algn="ctr"/>
+            <a:endParaRPr lang="en-US"/>
+          </a:p>
+        </p:txBody>
+      </p:sp>
+      <p:sp useBgFill="1">
+        <p:nvSpPr>
+          <p:cNvPr id="9" name="Freeform: Shape 8">
+            <a:extLst>
+              <a:ext uri="{FF2B5EF4-FFF2-40B4-BE49-F238E27FC236}">
+                <a16:creationId xmlns:a16="http://schemas.microsoft.com/office/drawing/2014/main" id="{91DE43FD-EB47-414A-B0AB-169B0FFFA527}"/>
+              </a:ext>
+              <a:ext uri="{C183D7F6-B498-43B3-948B-1728B52AA6E4}">
+                <adec:decorative xmlns:adec="http://schemas.microsoft.com/office/drawing/2017/decorative" val="1"/>
+              </a:ext>
+            </a:extLst>
+          </p:cNvPr>
+          <p:cNvSpPr>
+            <a:spLocks noGrp="1" noRot="1" noChangeAspect="1" noMove="1" noResize="1" noEditPoints="1" noAdjustHandles="1" noChangeArrowheads="1" noChangeShapeType="1" noTextEdit="1"/>
+          </p:cNvSpPr>
+          <p:nvPr>
+            <p:extLst>
+              <p:ext uri="{386F3935-93C4-4BCD-93E2-E3B085C9AB24}">
+                <p16:designElem xmlns:p16="http://schemas.microsoft.com/office/powerpoint/2015/main" val="1"/>
+              </p:ext>
+            </p:extLst>
+          </p:nvPr>
+        </p:nvSpPr>
+        <p:spPr>
+          <a:xfrm>
+            <a:off x="0" y="0"/>
+            <a:ext cx="6954691" cy="5143500"/>
+          </a:xfrm>
+          <a:custGeom>
+            <a:avLst/>
+            <a:gdLst>
+              <a:gd name="connsiteX0" fmla="*/ 0 w 9272922"/>
+              <a:gd name="connsiteY0" fmla="*/ 0 h 6858000"/>
+              <a:gd name="connsiteX1" fmla="*/ 1733417 w 9272922"/>
+              <a:gd name="connsiteY1" fmla="*/ 0 h 6858000"/>
+              <a:gd name="connsiteX2" fmla="*/ 3307976 w 9272922"/>
+              <a:gd name="connsiteY2" fmla="*/ 0 h 6858000"/>
+              <a:gd name="connsiteX3" fmla="*/ 8126249 w 9272922"/>
+              <a:gd name="connsiteY3" fmla="*/ 0 h 6858000"/>
+              <a:gd name="connsiteX4" fmla="*/ 8138896 w 9272922"/>
+              <a:gd name="connsiteY4" fmla="*/ 31774 h 6858000"/>
+              <a:gd name="connsiteX5" fmla="*/ 9193904 w 9272922"/>
+              <a:gd name="connsiteY5" fmla="*/ 2682457 h 6858000"/>
+              <a:gd name="connsiteX6" fmla="*/ 9193904 w 9272922"/>
+              <a:gd name="connsiteY6" fmla="*/ 3752208 h 6858000"/>
+              <a:gd name="connsiteX7" fmla="*/ 8036400 w 9272922"/>
+              <a:gd name="connsiteY7" fmla="*/ 6660411 h 6858000"/>
+              <a:gd name="connsiteX8" fmla="*/ 7957938 w 9272922"/>
+              <a:gd name="connsiteY8" fmla="*/ 6857542 h 6858000"/>
+              <a:gd name="connsiteX9" fmla="*/ 3307976 w 9272922"/>
+              <a:gd name="connsiteY9" fmla="*/ 6857542 h 6858000"/>
+              <a:gd name="connsiteX10" fmla="*/ 3307976 w 9272922"/>
+              <a:gd name="connsiteY10" fmla="*/ 6858000 h 6858000"/>
+              <a:gd name="connsiteX11" fmla="*/ 0 w 9272922"/>
+              <a:gd name="connsiteY11" fmla="*/ 6858000 h 6858000"/>
+            </a:gdLst>
+            <a:ahLst/>
+            <a:cxnLst>
+              <a:cxn ang="0">
+                <a:pos x="connsiteX0" y="connsiteY0"/>
+              </a:cxn>
+              <a:cxn ang="0">
+                <a:pos x="connsiteX1" y="connsiteY1"/>
+              </a:cxn>
+              <a:cxn ang="0">
+                <a:pos x="connsiteX2" y="connsiteY2"/>
+              </a:cxn>
+              <a:cxn ang="0">
+                <a:pos x="connsiteX3" y="connsiteY3"/>
+              </a:cxn>
+              <a:cxn ang="0">
+                <a:pos x="connsiteX4" y="connsiteY4"/>
+              </a:cxn>
+              <a:cxn ang="0">
+                <a:pos x="connsiteX5" y="connsiteY5"/>
+              </a:cxn>
+              <a:cxn ang="0">
+                <a:pos x="connsiteX6" y="connsiteY6"/>
+              </a:cxn>
+              <a:cxn ang="0">
+                <a:pos x="connsiteX7" y="connsiteY7"/>
+              </a:cxn>
+              <a:cxn ang="0">
+                <a:pos x="connsiteX8" y="connsiteY8"/>
+              </a:cxn>
+              <a:cxn ang="0">
+                <a:pos x="connsiteX9" y="connsiteY9"/>
+              </a:cxn>
+              <a:cxn ang="0">
+                <a:pos x="connsiteX10" y="connsiteY10"/>
+              </a:cxn>
+              <a:cxn ang="0">
+                <a:pos x="connsiteX11" y="connsiteY11"/>
+              </a:cxn>
+            </a:cxnLst>
+            <a:rect l="l" t="t" r="r" b="b"/>
+            <a:pathLst>
+              <a:path w="9272922" h="6858000">
+                <a:moveTo>
+                  <a:pt x="0" y="0"/>
+                </a:moveTo>
+                <a:lnTo>
+                  <a:pt x="1733417" y="0"/>
+                </a:lnTo>
+                <a:lnTo>
+                  <a:pt x="3307976" y="0"/>
+                </a:lnTo>
+                <a:lnTo>
+                  <a:pt x="8126249" y="0"/>
+                </a:lnTo>
+                <a:lnTo>
+                  <a:pt x="8138896" y="31774"/>
+                </a:lnTo>
+                <a:cubicBezTo>
+                  <a:pt x="9193904" y="2682457"/>
+                  <a:pt x="9193904" y="2682457"/>
+                  <a:pt x="9193904" y="2682457"/>
+                </a:cubicBezTo>
+                <a:cubicBezTo>
+                  <a:pt x="9299262" y="2988100"/>
+                  <a:pt x="9299262" y="3446565"/>
+                  <a:pt x="9193904" y="3752208"/>
+                </a:cubicBezTo>
+                <a:cubicBezTo>
+                  <a:pt x="8709916" y="4968215"/>
+                  <a:pt x="8331802" y="5918220"/>
+                  <a:pt x="8036400" y="6660411"/>
+                </a:cubicBezTo>
+                <a:lnTo>
+                  <a:pt x="7957938" y="6857542"/>
+                </a:lnTo>
+                <a:lnTo>
+                  <a:pt x="3307976" y="6857542"/>
+                </a:lnTo>
+                <a:lnTo>
+                  <a:pt x="3307976" y="6858000"/>
+                </a:lnTo>
+                <a:lnTo>
+                  <a:pt x="0" y="6858000"/>
+                </a:lnTo>
+                <a:close/>
+              </a:path>
+            </a:pathLst>
+          </a:custGeom>
+          <a:ln>
+            <a:noFill/>
+          </a:ln>
+        </p:spPr>
+        <p:style>
+          <a:lnRef idx="2">
+            <a:schemeClr val="accent1">
+              <a:shade val="50000"/>
+            </a:schemeClr>
+          </a:lnRef>
+          <a:fillRef idx="1">
+            <a:schemeClr val="accent1"/>
+          </a:fillRef>
+          <a:effectRef idx="0">
+            <a:schemeClr val="accent1"/>
+          </a:effectRef>
+          <a:fontRef idx="minor">
+            <a:schemeClr val="lt1"/>
+          </a:fontRef>
+        </p:style>
+        <p:txBody>
+          <a:bodyPr wrap="square" rtlCol="0" anchor="ctr">
+            <a:noAutofit/>
+          </a:bodyPr>
+          <a:lstStyle/>
+          <a:p>
+            <a:pPr algn="ctr"/>
+            <a:endParaRPr lang="en-US"/>
+          </a:p>
+        </p:txBody>
+      </p:sp>
+      <p:grpSp>
+        <p:nvGrpSpPr>
+          <p:cNvPr id="11" name="Group 10">
+            <a:extLst>
+              <a:ext uri="{FF2B5EF4-FFF2-40B4-BE49-F238E27FC236}">
+                <a16:creationId xmlns:a16="http://schemas.microsoft.com/office/drawing/2014/main" id="{58495BCC-CE77-4CC2-952E-846F41119FD5}"/>
+              </a:ext>
+              <a:ext uri="{C183D7F6-B498-43B3-948B-1728B52AA6E4}">
+                <adec:decorative xmlns:adec="http://schemas.microsoft.com/office/drawing/2017/decorative" val="1"/>
+              </a:ext>
+            </a:extLst>
+          </p:cNvPr>
+          <p:cNvGrpSpPr>
+            <a:grpSpLocks noGrp="1" noUngrp="1" noRot="1" noChangeAspect="1" noMove="1" noResize="1"/>
+          </p:cNvGrpSpPr>
+          <p:nvPr>
+            <p:extLst>
+              <p:ext uri="{386F3935-93C4-4BCD-93E2-E3B085C9AB24}">
+                <p16:designElem xmlns:p16="http://schemas.microsoft.com/office/powerpoint/2015/main" val="1"/>
+              </p:ext>
+            </p:extLst>
+          </p:nvPr>
+        </p:nvGrpSpPr>
+        <p:grpSpPr>
+          <a:xfrm>
+            <a:off x="6870420" y="806391"/>
+            <a:ext cx="1171701" cy="879729"/>
+            <a:chOff x="9160561" y="1075188"/>
+            <a:chExt cx="1562267" cy="1172973"/>
+          </a:xfrm>
+        </p:grpSpPr>
+        <p:sp>
+          <p:nvSpPr>
+            <p:cNvPr id="12" name="Freeform 5">
+              <a:extLst>
+                <a:ext uri="{FF2B5EF4-FFF2-40B4-BE49-F238E27FC236}">
+                  <a16:creationId xmlns:a16="http://schemas.microsoft.com/office/drawing/2014/main" id="{1B42538B-E30F-4967-A6C1-8EBA775F4D60}"/>
+                </a:ext>
+                <a:ext uri="{C183D7F6-B498-43B3-948B-1728B52AA6E4}">
+                  <adec:decorative xmlns:adec="http://schemas.microsoft.com/office/drawing/2017/decorative" val="1"/>
+                </a:ext>
+              </a:extLst>
+            </p:cNvPr>
+            <p:cNvSpPr>
+              <a:spLocks/>
+            </p:cNvSpPr>
+            <p:nvPr>
+              <p:extLst>
+                <p:ext uri="{386F3935-93C4-4BCD-93E2-E3B085C9AB24}">
+                  <p16:designElem xmlns:p16="http://schemas.microsoft.com/office/powerpoint/2015/main" val="1"/>
+                </p:ext>
+              </p:extLst>
+            </p:nvPr>
+          </p:nvSpPr>
+          <p:spPr bwMode="auto">
+            <a:xfrm>
+              <a:off x="9160561" y="1423846"/>
+              <a:ext cx="935037" cy="824315"/>
+            </a:xfrm>
+            <a:custGeom>
+              <a:avLst/>
+              <a:gdLst>
+                <a:gd name="T0" fmla="*/ 225 w 785"/>
+                <a:gd name="T1" fmla="*/ 692 h 692"/>
+                <a:gd name="T2" fmla="*/ 177 w 785"/>
+                <a:gd name="T3" fmla="*/ 665 h 692"/>
+                <a:gd name="T4" fmla="*/ 9 w 785"/>
+                <a:gd name="T5" fmla="*/ 374 h 692"/>
+                <a:gd name="T6" fmla="*/ 9 w 785"/>
+                <a:gd name="T7" fmla="*/ 318 h 692"/>
+                <a:gd name="T8" fmla="*/ 177 w 785"/>
+                <a:gd name="T9" fmla="*/ 27 h 692"/>
+                <a:gd name="T10" fmla="*/ 225 w 785"/>
+                <a:gd name="T11" fmla="*/ 0 h 692"/>
+                <a:gd name="T12" fmla="*/ 561 w 785"/>
+                <a:gd name="T13" fmla="*/ 0 h 692"/>
+                <a:gd name="T14" fmla="*/ 609 w 785"/>
+                <a:gd name="T15" fmla="*/ 27 h 692"/>
+                <a:gd name="T16" fmla="*/ 777 w 785"/>
+                <a:gd name="T17" fmla="*/ 318 h 692"/>
+                <a:gd name="T18" fmla="*/ 777 w 785"/>
+                <a:gd name="T19" fmla="*/ 374 h 692"/>
+                <a:gd name="T20" fmla="*/ 609 w 785"/>
+                <a:gd name="T21" fmla="*/ 665 h 692"/>
+                <a:gd name="T22" fmla="*/ 561 w 785"/>
+                <a:gd name="T23" fmla="*/ 692 h 692"/>
+                <a:gd name="T24" fmla="*/ 225 w 785"/>
+                <a:gd name="T25" fmla="*/ 692 h 692"/>
+              </a:gdLst>
+              <a:ahLst/>
+              <a:cxnLst>
+                <a:cxn ang="0">
+                  <a:pos x="T0" y="T1"/>
+                </a:cxn>
+                <a:cxn ang="0">
+                  <a:pos x="T2" y="T3"/>
+                </a:cxn>
+                <a:cxn ang="0">
+                  <a:pos x="T4" y="T5"/>
+                </a:cxn>
+                <a:cxn ang="0">
+                  <a:pos x="T6" y="T7"/>
+                </a:cxn>
+                <a:cxn ang="0">
+                  <a:pos x="T8" y="T9"/>
+                </a:cxn>
+                <a:cxn ang="0">
+                  <a:pos x="T10" y="T11"/>
+                </a:cxn>
+                <a:cxn ang="0">
+                  <a:pos x="T12" y="T13"/>
+                </a:cxn>
+                <a:cxn ang="0">
+                  <a:pos x="T14" y="T15"/>
+                </a:cxn>
+                <a:cxn ang="0">
+                  <a:pos x="T16" y="T17"/>
+                </a:cxn>
+                <a:cxn ang="0">
+                  <a:pos x="T18" y="T19"/>
+                </a:cxn>
+                <a:cxn ang="0">
+                  <a:pos x="T20" y="T21"/>
+                </a:cxn>
+                <a:cxn ang="0">
+                  <a:pos x="T22" y="T23"/>
+                </a:cxn>
+                <a:cxn ang="0">
+                  <a:pos x="T24" y="T25"/>
+                </a:cxn>
+              </a:cxnLst>
+              <a:rect l="0" t="0" r="r" b="b"/>
+              <a:pathLst>
+                <a:path w="785" h="692">
+                  <a:moveTo>
+                    <a:pt x="225" y="692"/>
+                  </a:moveTo>
+                  <a:cubicBezTo>
+                    <a:pt x="207" y="692"/>
+                    <a:pt x="185" y="680"/>
+                    <a:pt x="177" y="665"/>
+                  </a:cubicBezTo>
+                  <a:cubicBezTo>
+                    <a:pt x="9" y="374"/>
+                    <a:pt x="9" y="374"/>
+                    <a:pt x="9" y="374"/>
+                  </a:cubicBezTo>
+                  <a:cubicBezTo>
+                    <a:pt x="0" y="358"/>
+                    <a:pt x="0" y="334"/>
+                    <a:pt x="9" y="318"/>
+                  </a:cubicBezTo>
+                  <a:cubicBezTo>
+                    <a:pt x="177" y="27"/>
+                    <a:pt x="177" y="27"/>
+                    <a:pt x="177" y="27"/>
+                  </a:cubicBezTo>
+                  <a:cubicBezTo>
+                    <a:pt x="185" y="12"/>
+                    <a:pt x="207" y="0"/>
+                    <a:pt x="225" y="0"/>
+                  </a:cubicBezTo>
+                  <a:cubicBezTo>
+                    <a:pt x="561" y="0"/>
+                    <a:pt x="561" y="0"/>
+                    <a:pt x="561" y="0"/>
+                  </a:cubicBezTo>
+                  <a:cubicBezTo>
+                    <a:pt x="578" y="0"/>
+                    <a:pt x="600" y="12"/>
+                    <a:pt x="609" y="27"/>
+                  </a:cubicBezTo>
+                  <a:cubicBezTo>
+                    <a:pt x="777" y="318"/>
+                    <a:pt x="777" y="318"/>
+                    <a:pt x="777" y="318"/>
+                  </a:cubicBezTo>
+                  <a:cubicBezTo>
+                    <a:pt x="785" y="334"/>
+                    <a:pt x="785" y="358"/>
+                    <a:pt x="777" y="374"/>
+                  </a:cubicBezTo>
+                  <a:cubicBezTo>
+                    <a:pt x="609" y="665"/>
+                    <a:pt x="609" y="665"/>
+                    <a:pt x="609" y="665"/>
+                  </a:cubicBezTo>
+                  <a:cubicBezTo>
+                    <a:pt x="600" y="680"/>
+                    <a:pt x="578" y="692"/>
+                    <a:pt x="561" y="692"/>
+                  </a:cubicBezTo>
+                  <a:lnTo>
+                    <a:pt x="225" y="692"/>
+                  </a:lnTo>
+                  <a:close/>
+                </a:path>
+              </a:pathLst>
+            </a:custGeom>
+            <a:noFill/>
+            <a:ln w="28575" cmpd="sng">
+              <a:solidFill>
+                <a:schemeClr val="bg1"/>
+              </a:solidFill>
+            </a:ln>
+          </p:spPr>
+          <p:txBody>
+            <a:bodyPr vert="horz" wrap="square" lIns="91440" tIns="45720" rIns="91440" bIns="45720" numCol="1" anchor="t" anchorCtr="0" compatLnSpc="1">
+              <a:prstTxWarp prst="textNoShape">
+                <a:avLst/>
+              </a:prstTxWarp>
+            </a:bodyPr>
+            <a:lstStyle/>
+            <a:p>
+              <a:endParaRPr lang="en-US"/>
+            </a:p>
+          </p:txBody>
+        </p:sp>
+        <p:sp>
+          <p:nvSpPr>
+            <p:cNvPr id="13" name="Freeform 5">
+              <a:extLst>
+                <a:ext uri="{FF2B5EF4-FFF2-40B4-BE49-F238E27FC236}">
+                  <a16:creationId xmlns:a16="http://schemas.microsoft.com/office/drawing/2014/main" id="{9A6BD9AC-4DE7-4B20-8547-4E3B375C21F7}"/>
+                </a:ext>
+                <a:ext uri="{C183D7F6-B498-43B3-948B-1728B52AA6E4}">
+                  <adec:decorative xmlns:adec="http://schemas.microsoft.com/office/drawing/2017/decorative" val="1"/>
+                </a:ext>
+              </a:extLst>
+            </p:cNvPr>
+            <p:cNvSpPr>
+              <a:spLocks/>
+            </p:cNvSpPr>
+            <p:nvPr>
+              <p:extLst>
+                <p:ext uri="{386F3935-93C4-4BCD-93E2-E3B085C9AB24}">
+                  <p16:designElem xmlns:p16="http://schemas.microsoft.com/office/powerpoint/2015/main" val="1"/>
+                </p:ext>
+              </p:extLst>
+            </p:nvPr>
+          </p:nvSpPr>
+          <p:spPr bwMode="auto">
+            <a:xfrm>
+              <a:off x="9960661" y="1075188"/>
+              <a:ext cx="762167" cy="671915"/>
+            </a:xfrm>
+            <a:custGeom>
+              <a:avLst/>
+              <a:gdLst>
+                <a:gd name="T0" fmla="*/ 225 w 785"/>
+                <a:gd name="T1" fmla="*/ 692 h 692"/>
+                <a:gd name="T2" fmla="*/ 177 w 785"/>
+                <a:gd name="T3" fmla="*/ 665 h 692"/>
+                <a:gd name="T4" fmla="*/ 9 w 785"/>
+                <a:gd name="T5" fmla="*/ 374 h 692"/>
+                <a:gd name="T6" fmla="*/ 9 w 785"/>
+                <a:gd name="T7" fmla="*/ 318 h 692"/>
+                <a:gd name="T8" fmla="*/ 177 w 785"/>
+                <a:gd name="T9" fmla="*/ 27 h 692"/>
+                <a:gd name="T10" fmla="*/ 225 w 785"/>
+                <a:gd name="T11" fmla="*/ 0 h 692"/>
+                <a:gd name="T12" fmla="*/ 561 w 785"/>
+                <a:gd name="T13" fmla="*/ 0 h 692"/>
+                <a:gd name="T14" fmla="*/ 609 w 785"/>
+                <a:gd name="T15" fmla="*/ 27 h 692"/>
+                <a:gd name="T16" fmla="*/ 777 w 785"/>
+                <a:gd name="T17" fmla="*/ 318 h 692"/>
+                <a:gd name="T18" fmla="*/ 777 w 785"/>
+                <a:gd name="T19" fmla="*/ 374 h 692"/>
+                <a:gd name="T20" fmla="*/ 609 w 785"/>
+                <a:gd name="T21" fmla="*/ 665 h 692"/>
+                <a:gd name="T22" fmla="*/ 561 w 785"/>
+                <a:gd name="T23" fmla="*/ 692 h 692"/>
+                <a:gd name="T24" fmla="*/ 225 w 785"/>
+                <a:gd name="T25" fmla="*/ 692 h 692"/>
+              </a:gdLst>
+              <a:ahLst/>
+              <a:cxnLst>
+                <a:cxn ang="0">
+                  <a:pos x="T0" y="T1"/>
+                </a:cxn>
+                <a:cxn ang="0">
+                  <a:pos x="T2" y="T3"/>
+                </a:cxn>
+                <a:cxn ang="0">
+                  <a:pos x="T4" y="T5"/>
+                </a:cxn>
+                <a:cxn ang="0">
+                  <a:pos x="T6" y="T7"/>
+                </a:cxn>
+                <a:cxn ang="0">
+                  <a:pos x="T8" y="T9"/>
+                </a:cxn>
+                <a:cxn ang="0">
+                  <a:pos x="T10" y="T11"/>
+                </a:cxn>
+                <a:cxn ang="0">
+                  <a:pos x="T12" y="T13"/>
+                </a:cxn>
+                <a:cxn ang="0">
+                  <a:pos x="T14" y="T15"/>
+                </a:cxn>
+                <a:cxn ang="0">
+                  <a:pos x="T16" y="T17"/>
+                </a:cxn>
+                <a:cxn ang="0">
+                  <a:pos x="T18" y="T19"/>
+                </a:cxn>
+                <a:cxn ang="0">
+                  <a:pos x="T20" y="T21"/>
+                </a:cxn>
+                <a:cxn ang="0">
+                  <a:pos x="T22" y="T23"/>
+                </a:cxn>
+                <a:cxn ang="0">
+                  <a:pos x="T24" y="T25"/>
+                </a:cxn>
+              </a:cxnLst>
+              <a:rect l="0" t="0" r="r" b="b"/>
+              <a:pathLst>
+                <a:path w="785" h="692">
+                  <a:moveTo>
+                    <a:pt x="225" y="692"/>
+                  </a:moveTo>
+                  <a:cubicBezTo>
+                    <a:pt x="207" y="692"/>
+                    <a:pt x="185" y="680"/>
+                    <a:pt x="177" y="665"/>
+                  </a:cubicBezTo>
+                  <a:cubicBezTo>
+                    <a:pt x="9" y="374"/>
+                    <a:pt x="9" y="374"/>
+                    <a:pt x="9" y="374"/>
+                  </a:cubicBezTo>
+                  <a:cubicBezTo>
+                    <a:pt x="0" y="358"/>
+                    <a:pt x="0" y="334"/>
+                    <a:pt x="9" y="318"/>
+                  </a:cubicBezTo>
+                  <a:cubicBezTo>
+                    <a:pt x="177" y="27"/>
+                    <a:pt x="177" y="27"/>
+                    <a:pt x="177" y="27"/>
+                  </a:cubicBezTo>
+                  <a:cubicBezTo>
+                    <a:pt x="185" y="12"/>
+                    <a:pt x="207" y="0"/>
+                    <a:pt x="225" y="0"/>
+                  </a:cubicBezTo>
+                  <a:cubicBezTo>
+                    <a:pt x="561" y="0"/>
+                    <a:pt x="561" y="0"/>
+                    <a:pt x="561" y="0"/>
+                  </a:cubicBezTo>
+                  <a:cubicBezTo>
+                    <a:pt x="578" y="0"/>
+                    <a:pt x="600" y="12"/>
+                    <a:pt x="609" y="27"/>
+                  </a:cubicBezTo>
+                  <a:cubicBezTo>
+                    <a:pt x="777" y="318"/>
+                    <a:pt x="777" y="318"/>
+                    <a:pt x="777" y="318"/>
+                  </a:cubicBezTo>
+                  <a:cubicBezTo>
+                    <a:pt x="785" y="334"/>
+                    <a:pt x="785" y="358"/>
+                    <a:pt x="777" y="374"/>
+                  </a:cubicBezTo>
+                  <a:cubicBezTo>
+                    <a:pt x="609" y="665"/>
+                    <a:pt x="609" y="665"/>
+                    <a:pt x="609" y="665"/>
+                  </a:cubicBezTo>
+                  <a:cubicBezTo>
+                    <a:pt x="600" y="680"/>
+                    <a:pt x="578" y="692"/>
+                    <a:pt x="561" y="692"/>
+                  </a:cubicBezTo>
+                  <a:lnTo>
+                    <a:pt x="225" y="692"/>
+                  </a:lnTo>
+                  <a:close/>
+                </a:path>
+              </a:pathLst>
+            </a:custGeom>
+            <a:noFill/>
+            <a:ln w="28575" cmpd="sng">
+              <a:solidFill>
+                <a:schemeClr val="bg1"/>
+              </a:solidFill>
+            </a:ln>
+          </p:spPr>
+          <p:txBody>
+            <a:bodyPr vert="horz" wrap="square" lIns="91440" tIns="45720" rIns="91440" bIns="45720" numCol="1" anchor="t" anchorCtr="0" compatLnSpc="1">
+              <a:prstTxWarp prst="textNoShape">
+                <a:avLst/>
+              </a:prstTxWarp>
+            </a:bodyPr>
+            <a:lstStyle/>
+            <a:p>
+              <a:endParaRPr lang="en-US"/>
+            </a:p>
+          </p:txBody>
+        </p:sp>
+      </p:grpSp>
       <p:pic>
         <p:nvPicPr>
-          <p:cNvPr id="2" name="Picture 1" descr="sqlserver.png"/>
+          <p:cNvPr id="3" name="Picture 2" descr="sqlserver.png">
+            <a:extLst>
+              <a:ext uri="{FF2B5EF4-FFF2-40B4-BE49-F238E27FC236}">
+                <a16:creationId xmlns:a16="http://schemas.microsoft.com/office/drawing/2014/main" id="{E8A09D91-AEE9-3B4F-DE91-AE9B1F52DE19}"/>
+              </a:ext>
+            </a:extLst>
+          </p:cNvPr>
           <p:cNvPicPr>
             <a:picLocks noGrp="1" noChangeAspect="1"/>
           </p:cNvPicPr>
@@ -3116,24 +3774,20 @@
         </p:nvPicPr>
         <p:blipFill>
           <a:blip r:embed="rId2"/>
+          <a:srcRect l="2193" t="4481" r="3658" b="6674"/>
           <a:stretch>
             <a:fillRect/>
           </a:stretch>
         </p:blipFill>
         <p:spPr bwMode="auto">
           <a:xfrm>
-            <a:off x="457200" y="1524000"/>
-            <a:ext cx="8229600" cy="2222500"/>
+            <a:off x="131736" y="1619573"/>
+            <a:ext cx="6540285" cy="1666364"/>
           </a:xfrm>
           <a:prstGeom prst="rect">
             <a:avLst/>
           </a:prstGeom>
           <a:noFill/>
-          <a:ln w="9525">
-            <a:noFill/>
-            <a:headEnd/>
-            <a:tailEnd/>
-          </a:ln>
         </p:spPr>
       </p:pic>
     </p:spTree>
@@ -3163,31 +3817,6 @@
       </p:grpSpPr>
       <p:sp>
         <p:nvSpPr>
-          <p:cNvPr id="2" name="Title 1"/>
-          <p:cNvSpPr>
-            <a:spLocks noGrp="1"/>
-          </p:cNvSpPr>
-          <p:nvPr>
-            <p:ph type="title"/>
-          </p:nvPr>
-        </p:nvSpPr>
-        <p:spPr/>
-        <p:txBody>
-          <a:bodyPr/>
-          <a:lstStyle/>
-          <a:p>
-            <a:pPr marL="0" lvl="0" indent="0">
-              <a:buNone/>
-            </a:pPr>
-            <a:r>
-              <a:rPr dirty="0"/>
-              <a:t>NOT LIKE Operator:</a:t>
-            </a:r>
-          </a:p>
-        </p:txBody>
-      </p:sp>
-      <p:sp>
-        <p:nvSpPr>
           <p:cNvPr id="3" name="Content Placeholder 2"/>
           <p:cNvSpPr>
             <a:spLocks noGrp="1"/>
@@ -3196,7 +3825,12 @@
             <p:ph idx="1"/>
           </p:nvPr>
         </p:nvSpPr>
-        <p:spPr/>
+        <p:spPr>
+          <a:xfrm>
+            <a:off x="457200" y="874514"/>
+            <a:ext cx="8229600" cy="3394472"/>
+          </a:xfrm>
+        </p:spPr>
         <p:txBody>
           <a:bodyPr>
             <a:normAutofit/>
@@ -3355,6 +3989,158 @@
               </a:rPr>
               <a:t>;</a:t>
             </a:r>
+          </a:p>
+        </p:txBody>
+      </p:sp>
+      <p:sp>
+        <p:nvSpPr>
+          <p:cNvPr id="4" name="Title 1">
+            <a:extLst>
+              <a:ext uri="{FF2B5EF4-FFF2-40B4-BE49-F238E27FC236}">
+                <a16:creationId xmlns:a16="http://schemas.microsoft.com/office/drawing/2014/main" id="{E7B3782D-5E11-B602-D8AB-AFA885BCD8BE}"/>
+              </a:ext>
+            </a:extLst>
+          </p:cNvPr>
+          <p:cNvSpPr txBox="1">
+            <a:spLocks/>
+          </p:cNvSpPr>
+          <p:nvPr/>
+        </p:nvSpPr>
+        <p:spPr>
+          <a:xfrm>
+            <a:off x="0" y="1"/>
+            <a:ext cx="9144000" cy="548876"/>
+          </a:xfrm>
+          <a:prstGeom prst="rect">
+            <a:avLst/>
+          </a:prstGeom>
+          <a:solidFill>
+            <a:schemeClr val="tx1"/>
+          </a:solidFill>
+        </p:spPr>
+        <p:txBody>
+          <a:bodyPr vert="horz" lIns="91440" tIns="45720" rIns="91440" bIns="45720" rtlCol="0" anchor="ctr">
+            <a:normAutofit/>
+          </a:bodyPr>
+          <a:lstStyle>
+            <a:lvl1pPr algn="ctr" defTabSz="342900" rtl="0" eaLnBrk="1" latinLnBrk="0" hangingPunct="1">
+              <a:spcBef>
+                <a:spcPct val="0"/>
+              </a:spcBef>
+              <a:buNone/>
+              <a:defRPr sz="3300" kern="1200">
+                <a:solidFill>
+                  <a:schemeClr val="tx1"/>
+                </a:solidFill>
+                <a:latin typeface="+mj-lt"/>
+                <a:ea typeface="+mj-ea"/>
+                <a:cs typeface="+mj-cs"/>
+              </a:defRPr>
+            </a:lvl1pPr>
+          </a:lstStyle>
+          <a:p>
+            <a:pPr algn="l"/>
+            <a:r>
+              <a:rPr lang="en-IN" sz="2800" dirty="0">
+                <a:solidFill>
+                  <a:schemeClr val="bg1"/>
+                </a:solidFill>
+              </a:rPr>
+              <a:t>NOT LIKE Operator:</a:t>
+            </a:r>
+          </a:p>
+        </p:txBody>
+      </p:sp>
+      <p:pic>
+        <p:nvPicPr>
+          <p:cNvPr id="5" name="Picture 4">
+            <a:extLst>
+              <a:ext uri="{FF2B5EF4-FFF2-40B4-BE49-F238E27FC236}">
+                <a16:creationId xmlns:a16="http://schemas.microsoft.com/office/drawing/2014/main" id="{CA6AB2E7-3BC2-191E-8782-2A4B599F403D}"/>
+              </a:ext>
+            </a:extLst>
+          </p:cNvPr>
+          <p:cNvPicPr>
+            <a:picLocks noChangeAspect="1"/>
+          </p:cNvPicPr>
+          <p:nvPr/>
+        </p:nvPicPr>
+        <p:blipFill>
+          <a:blip r:embed="rId2"/>
+          <a:stretch>
+            <a:fillRect/>
+          </a:stretch>
+        </p:blipFill>
+        <p:spPr>
+          <a:xfrm>
+            <a:off x="5763675" y="51792"/>
+            <a:ext cx="3380325" cy="445294"/>
+          </a:xfrm>
+          <a:prstGeom prst="rect">
+            <a:avLst/>
+          </a:prstGeom>
+        </p:spPr>
+      </p:pic>
+      <p:sp>
+        <p:nvSpPr>
+          <p:cNvPr id="6" name="Title 1">
+            <a:extLst>
+              <a:ext uri="{FF2B5EF4-FFF2-40B4-BE49-F238E27FC236}">
+                <a16:creationId xmlns:a16="http://schemas.microsoft.com/office/drawing/2014/main" id="{75D3CD9D-58B2-BE4F-BD35-C5495F1FD22A}"/>
+              </a:ext>
+            </a:extLst>
+          </p:cNvPr>
+          <p:cNvSpPr txBox="1">
+            <a:spLocks/>
+          </p:cNvSpPr>
+          <p:nvPr/>
+        </p:nvSpPr>
+        <p:spPr>
+          <a:xfrm>
+            <a:off x="0" y="4858718"/>
+            <a:ext cx="9144000" cy="284781"/>
+          </a:xfrm>
+          <a:prstGeom prst="rect">
+            <a:avLst/>
+          </a:prstGeom>
+          <a:solidFill>
+            <a:schemeClr val="tx1"/>
+          </a:solidFill>
+        </p:spPr>
+        <p:txBody>
+          <a:bodyPr vert="horz" lIns="91440" tIns="45720" rIns="91440" bIns="45720" rtlCol="0" anchor="ctr">
+            <a:normAutofit/>
+          </a:bodyPr>
+          <a:lstStyle>
+            <a:lvl1pPr algn="ctr" defTabSz="342900" rtl="0" eaLnBrk="1" latinLnBrk="0" hangingPunct="1">
+              <a:spcBef>
+                <a:spcPct val="0"/>
+              </a:spcBef>
+              <a:buNone/>
+              <a:defRPr sz="3300" kern="1200">
+                <a:solidFill>
+                  <a:schemeClr val="tx1"/>
+                </a:solidFill>
+                <a:latin typeface="+mj-lt"/>
+                <a:ea typeface="+mj-ea"/>
+                <a:cs typeface="+mj-cs"/>
+              </a:defRPr>
+            </a:lvl1pPr>
+          </a:lstStyle>
+          <a:p>
+            <a:r>
+              <a:rPr lang="en-IN" sz="1200" dirty="0">
+                <a:solidFill>
+                  <a:schemeClr val="bg1"/>
+                </a:solidFill>
+              </a:rPr>
+              <a:t>(©) tinitiate.com</a:t>
+            </a:r>
+            <a:endParaRPr lang="en-IN" sz="1000" dirty="0">
+              <a:solidFill>
+                <a:schemeClr val="bg1"/>
+              </a:solidFill>
+            </a:endParaRPr>
           </a:p>
         </p:txBody>
       </p:sp>
@@ -3385,31 +4171,6 @@
       </p:grpSpPr>
       <p:sp>
         <p:nvSpPr>
-          <p:cNvPr id="2" name="Title 1"/>
-          <p:cNvSpPr>
-            <a:spLocks noGrp="1"/>
-          </p:cNvSpPr>
-          <p:nvPr>
-            <p:ph type="title"/>
-          </p:nvPr>
-        </p:nvSpPr>
-        <p:spPr/>
-        <p:txBody>
-          <a:bodyPr/>
-          <a:lstStyle/>
-          <a:p>
-            <a:pPr marL="0" lvl="0" indent="0">
-              <a:buNone/>
-            </a:pPr>
-            <a:r>
-              <a:rPr dirty="0"/>
-              <a:t>BETWEEN Operator:</a:t>
-            </a:r>
-          </a:p>
-        </p:txBody>
-      </p:sp>
-      <p:sp>
-        <p:nvSpPr>
           <p:cNvPr id="3" name="Content Placeholder 2"/>
           <p:cNvSpPr>
             <a:spLocks noGrp="1"/>
@@ -3418,7 +4179,12 @@
             <p:ph idx="1"/>
           </p:nvPr>
         </p:nvSpPr>
-        <p:spPr/>
+        <p:spPr>
+          <a:xfrm>
+            <a:off x="457200" y="874514"/>
+            <a:ext cx="8229600" cy="3394472"/>
+          </a:xfrm>
+        </p:spPr>
         <p:txBody>
           <a:bodyPr>
             <a:noAutofit/>
@@ -3592,6 +4358,158 @@
               </a:rPr>
               <a:t>;</a:t>
             </a:r>
+          </a:p>
+        </p:txBody>
+      </p:sp>
+      <p:sp>
+        <p:nvSpPr>
+          <p:cNvPr id="4" name="Title 1">
+            <a:extLst>
+              <a:ext uri="{FF2B5EF4-FFF2-40B4-BE49-F238E27FC236}">
+                <a16:creationId xmlns:a16="http://schemas.microsoft.com/office/drawing/2014/main" id="{634BF4B3-9FCE-8300-389E-F0E2D27C7B48}"/>
+              </a:ext>
+            </a:extLst>
+          </p:cNvPr>
+          <p:cNvSpPr txBox="1">
+            <a:spLocks/>
+          </p:cNvSpPr>
+          <p:nvPr/>
+        </p:nvSpPr>
+        <p:spPr>
+          <a:xfrm>
+            <a:off x="0" y="1"/>
+            <a:ext cx="9144000" cy="548876"/>
+          </a:xfrm>
+          <a:prstGeom prst="rect">
+            <a:avLst/>
+          </a:prstGeom>
+          <a:solidFill>
+            <a:schemeClr val="tx1"/>
+          </a:solidFill>
+        </p:spPr>
+        <p:txBody>
+          <a:bodyPr vert="horz" lIns="91440" tIns="45720" rIns="91440" bIns="45720" rtlCol="0" anchor="ctr">
+            <a:normAutofit/>
+          </a:bodyPr>
+          <a:lstStyle>
+            <a:lvl1pPr algn="ctr" defTabSz="342900" rtl="0" eaLnBrk="1" latinLnBrk="0" hangingPunct="1">
+              <a:spcBef>
+                <a:spcPct val="0"/>
+              </a:spcBef>
+              <a:buNone/>
+              <a:defRPr sz="3300" kern="1200">
+                <a:solidFill>
+                  <a:schemeClr val="tx1"/>
+                </a:solidFill>
+                <a:latin typeface="+mj-lt"/>
+                <a:ea typeface="+mj-ea"/>
+                <a:cs typeface="+mj-cs"/>
+              </a:defRPr>
+            </a:lvl1pPr>
+          </a:lstStyle>
+          <a:p>
+            <a:pPr algn="l"/>
+            <a:r>
+              <a:rPr lang="en-IN" sz="2800" dirty="0">
+                <a:solidFill>
+                  <a:schemeClr val="bg1"/>
+                </a:solidFill>
+              </a:rPr>
+              <a:t>BETWEEN Operator:</a:t>
+            </a:r>
+          </a:p>
+        </p:txBody>
+      </p:sp>
+      <p:pic>
+        <p:nvPicPr>
+          <p:cNvPr id="5" name="Picture 4">
+            <a:extLst>
+              <a:ext uri="{FF2B5EF4-FFF2-40B4-BE49-F238E27FC236}">
+                <a16:creationId xmlns:a16="http://schemas.microsoft.com/office/drawing/2014/main" id="{26104761-E92D-C841-1DED-02D725CB4923}"/>
+              </a:ext>
+            </a:extLst>
+          </p:cNvPr>
+          <p:cNvPicPr>
+            <a:picLocks noChangeAspect="1"/>
+          </p:cNvPicPr>
+          <p:nvPr/>
+        </p:nvPicPr>
+        <p:blipFill>
+          <a:blip r:embed="rId2"/>
+          <a:stretch>
+            <a:fillRect/>
+          </a:stretch>
+        </p:blipFill>
+        <p:spPr>
+          <a:xfrm>
+            <a:off x="5763675" y="51792"/>
+            <a:ext cx="3380325" cy="445294"/>
+          </a:xfrm>
+          <a:prstGeom prst="rect">
+            <a:avLst/>
+          </a:prstGeom>
+        </p:spPr>
+      </p:pic>
+      <p:sp>
+        <p:nvSpPr>
+          <p:cNvPr id="6" name="Title 1">
+            <a:extLst>
+              <a:ext uri="{FF2B5EF4-FFF2-40B4-BE49-F238E27FC236}">
+                <a16:creationId xmlns:a16="http://schemas.microsoft.com/office/drawing/2014/main" id="{863EA80C-2C8B-E63C-BFC1-147DBD0E3ED1}"/>
+              </a:ext>
+            </a:extLst>
+          </p:cNvPr>
+          <p:cNvSpPr txBox="1">
+            <a:spLocks/>
+          </p:cNvSpPr>
+          <p:nvPr/>
+        </p:nvSpPr>
+        <p:spPr>
+          <a:xfrm>
+            <a:off x="0" y="4858718"/>
+            <a:ext cx="9144000" cy="284781"/>
+          </a:xfrm>
+          <a:prstGeom prst="rect">
+            <a:avLst/>
+          </a:prstGeom>
+          <a:solidFill>
+            <a:schemeClr val="tx1"/>
+          </a:solidFill>
+        </p:spPr>
+        <p:txBody>
+          <a:bodyPr vert="horz" lIns="91440" tIns="45720" rIns="91440" bIns="45720" rtlCol="0" anchor="ctr">
+            <a:normAutofit/>
+          </a:bodyPr>
+          <a:lstStyle>
+            <a:lvl1pPr algn="ctr" defTabSz="342900" rtl="0" eaLnBrk="1" latinLnBrk="0" hangingPunct="1">
+              <a:spcBef>
+                <a:spcPct val="0"/>
+              </a:spcBef>
+              <a:buNone/>
+              <a:defRPr sz="3300" kern="1200">
+                <a:solidFill>
+                  <a:schemeClr val="tx1"/>
+                </a:solidFill>
+                <a:latin typeface="+mj-lt"/>
+                <a:ea typeface="+mj-ea"/>
+                <a:cs typeface="+mj-cs"/>
+              </a:defRPr>
+            </a:lvl1pPr>
+          </a:lstStyle>
+          <a:p>
+            <a:r>
+              <a:rPr lang="en-IN" sz="1200" dirty="0">
+                <a:solidFill>
+                  <a:schemeClr val="bg1"/>
+                </a:solidFill>
+              </a:rPr>
+              <a:t>(©) tinitiate.com</a:t>
+            </a:r>
+            <a:endParaRPr lang="en-IN" sz="1000" dirty="0">
+              <a:solidFill>
+                <a:schemeClr val="bg1"/>
+              </a:solidFill>
+            </a:endParaRPr>
           </a:p>
         </p:txBody>
       </p:sp>
@@ -3622,31 +4540,6 @@
       </p:grpSpPr>
       <p:sp>
         <p:nvSpPr>
-          <p:cNvPr id="2" name="Title 1"/>
-          <p:cNvSpPr>
-            <a:spLocks noGrp="1"/>
-          </p:cNvSpPr>
-          <p:nvPr>
-            <p:ph type="title"/>
-          </p:nvPr>
-        </p:nvSpPr>
-        <p:spPr/>
-        <p:txBody>
-          <a:bodyPr/>
-          <a:lstStyle/>
-          <a:p>
-            <a:pPr marL="0" lvl="0" indent="0">
-              <a:buNone/>
-            </a:pPr>
-            <a:r>
-              <a:rPr dirty="0"/>
-              <a:t>Greater Than (&gt;):</a:t>
-            </a:r>
-          </a:p>
-        </p:txBody>
-      </p:sp>
-      <p:sp>
-        <p:nvSpPr>
           <p:cNvPr id="3" name="Content Placeholder 2"/>
           <p:cNvSpPr>
             <a:spLocks noGrp="1"/>
@@ -3655,7 +4548,12 @@
             <p:ph idx="1"/>
           </p:nvPr>
         </p:nvSpPr>
-        <p:spPr/>
+        <p:spPr>
+          <a:xfrm>
+            <a:off x="457200" y="874514"/>
+            <a:ext cx="8229600" cy="3394472"/>
+          </a:xfrm>
+        </p:spPr>
         <p:txBody>
           <a:bodyPr>
             <a:normAutofit/>
@@ -3792,6 +4690,158 @@
               </a:rPr>
               <a:t>;</a:t>
             </a:r>
+          </a:p>
+        </p:txBody>
+      </p:sp>
+      <p:sp>
+        <p:nvSpPr>
+          <p:cNvPr id="4" name="Title 1">
+            <a:extLst>
+              <a:ext uri="{FF2B5EF4-FFF2-40B4-BE49-F238E27FC236}">
+                <a16:creationId xmlns:a16="http://schemas.microsoft.com/office/drawing/2014/main" id="{7259855A-80E4-0C1A-5BC0-9243FFEEEA3F}"/>
+              </a:ext>
+            </a:extLst>
+          </p:cNvPr>
+          <p:cNvSpPr txBox="1">
+            <a:spLocks/>
+          </p:cNvSpPr>
+          <p:nvPr/>
+        </p:nvSpPr>
+        <p:spPr>
+          <a:xfrm>
+            <a:off x="0" y="1"/>
+            <a:ext cx="9144000" cy="548876"/>
+          </a:xfrm>
+          <a:prstGeom prst="rect">
+            <a:avLst/>
+          </a:prstGeom>
+          <a:solidFill>
+            <a:schemeClr val="tx1"/>
+          </a:solidFill>
+        </p:spPr>
+        <p:txBody>
+          <a:bodyPr vert="horz" lIns="91440" tIns="45720" rIns="91440" bIns="45720" rtlCol="0" anchor="ctr">
+            <a:normAutofit/>
+          </a:bodyPr>
+          <a:lstStyle>
+            <a:lvl1pPr algn="ctr" defTabSz="342900" rtl="0" eaLnBrk="1" latinLnBrk="0" hangingPunct="1">
+              <a:spcBef>
+                <a:spcPct val="0"/>
+              </a:spcBef>
+              <a:buNone/>
+              <a:defRPr sz="3300" kern="1200">
+                <a:solidFill>
+                  <a:schemeClr val="tx1"/>
+                </a:solidFill>
+                <a:latin typeface="+mj-lt"/>
+                <a:ea typeface="+mj-ea"/>
+                <a:cs typeface="+mj-cs"/>
+              </a:defRPr>
+            </a:lvl1pPr>
+          </a:lstStyle>
+          <a:p>
+            <a:pPr algn="l"/>
+            <a:r>
+              <a:rPr lang="en-IN" sz="2800" dirty="0">
+                <a:solidFill>
+                  <a:schemeClr val="bg1"/>
+                </a:solidFill>
+              </a:rPr>
+              <a:t>Greater Than (&gt;):</a:t>
+            </a:r>
+          </a:p>
+        </p:txBody>
+      </p:sp>
+      <p:pic>
+        <p:nvPicPr>
+          <p:cNvPr id="5" name="Picture 4">
+            <a:extLst>
+              <a:ext uri="{FF2B5EF4-FFF2-40B4-BE49-F238E27FC236}">
+                <a16:creationId xmlns:a16="http://schemas.microsoft.com/office/drawing/2014/main" id="{FD1E12F9-2784-590E-24ED-B13353D4FFD8}"/>
+              </a:ext>
+            </a:extLst>
+          </p:cNvPr>
+          <p:cNvPicPr>
+            <a:picLocks noChangeAspect="1"/>
+          </p:cNvPicPr>
+          <p:nvPr/>
+        </p:nvPicPr>
+        <p:blipFill>
+          <a:blip r:embed="rId2"/>
+          <a:stretch>
+            <a:fillRect/>
+          </a:stretch>
+        </p:blipFill>
+        <p:spPr>
+          <a:xfrm>
+            <a:off x="5763675" y="51792"/>
+            <a:ext cx="3380325" cy="445294"/>
+          </a:xfrm>
+          <a:prstGeom prst="rect">
+            <a:avLst/>
+          </a:prstGeom>
+        </p:spPr>
+      </p:pic>
+      <p:sp>
+        <p:nvSpPr>
+          <p:cNvPr id="6" name="Title 1">
+            <a:extLst>
+              <a:ext uri="{FF2B5EF4-FFF2-40B4-BE49-F238E27FC236}">
+                <a16:creationId xmlns:a16="http://schemas.microsoft.com/office/drawing/2014/main" id="{A02BF15A-0B0E-5EB8-A113-AD953592A4AB}"/>
+              </a:ext>
+            </a:extLst>
+          </p:cNvPr>
+          <p:cNvSpPr txBox="1">
+            <a:spLocks/>
+          </p:cNvSpPr>
+          <p:nvPr/>
+        </p:nvSpPr>
+        <p:spPr>
+          <a:xfrm>
+            <a:off x="0" y="4858718"/>
+            <a:ext cx="9144000" cy="284781"/>
+          </a:xfrm>
+          <a:prstGeom prst="rect">
+            <a:avLst/>
+          </a:prstGeom>
+          <a:solidFill>
+            <a:schemeClr val="tx1"/>
+          </a:solidFill>
+        </p:spPr>
+        <p:txBody>
+          <a:bodyPr vert="horz" lIns="91440" tIns="45720" rIns="91440" bIns="45720" rtlCol="0" anchor="ctr">
+            <a:normAutofit/>
+          </a:bodyPr>
+          <a:lstStyle>
+            <a:lvl1pPr algn="ctr" defTabSz="342900" rtl="0" eaLnBrk="1" latinLnBrk="0" hangingPunct="1">
+              <a:spcBef>
+                <a:spcPct val="0"/>
+              </a:spcBef>
+              <a:buNone/>
+              <a:defRPr sz="3300" kern="1200">
+                <a:solidFill>
+                  <a:schemeClr val="tx1"/>
+                </a:solidFill>
+                <a:latin typeface="+mj-lt"/>
+                <a:ea typeface="+mj-ea"/>
+                <a:cs typeface="+mj-cs"/>
+              </a:defRPr>
+            </a:lvl1pPr>
+          </a:lstStyle>
+          <a:p>
+            <a:r>
+              <a:rPr lang="en-IN" sz="1200" dirty="0">
+                <a:solidFill>
+                  <a:schemeClr val="bg1"/>
+                </a:solidFill>
+              </a:rPr>
+              <a:t>(©) tinitiate.com</a:t>
+            </a:r>
+            <a:endParaRPr lang="en-IN" sz="1000" dirty="0">
+              <a:solidFill>
+                <a:schemeClr val="bg1"/>
+              </a:solidFill>
+            </a:endParaRPr>
           </a:p>
         </p:txBody>
       </p:sp>
@@ -3822,31 +4872,6 @@
       </p:grpSpPr>
       <p:sp>
         <p:nvSpPr>
-          <p:cNvPr id="2" name="Title 1"/>
-          <p:cNvSpPr>
-            <a:spLocks noGrp="1"/>
-          </p:cNvSpPr>
-          <p:nvPr>
-            <p:ph type="title"/>
-          </p:nvPr>
-        </p:nvSpPr>
-        <p:spPr/>
-        <p:txBody>
-          <a:bodyPr/>
-          <a:lstStyle/>
-          <a:p>
-            <a:pPr marL="0" lvl="0" indent="0">
-              <a:buNone/>
-            </a:pPr>
-            <a:r>
-              <a:rPr dirty="0"/>
-              <a:t>Greater Than or Equal To (&gt;=):</a:t>
-            </a:r>
-          </a:p>
-        </p:txBody>
-      </p:sp>
-      <p:sp>
-        <p:nvSpPr>
           <p:cNvPr id="3" name="Content Placeholder 2"/>
           <p:cNvSpPr>
             <a:spLocks noGrp="1"/>
@@ -3855,7 +4880,12 @@
             <p:ph idx="1"/>
           </p:nvPr>
         </p:nvSpPr>
-        <p:spPr/>
+        <p:spPr>
+          <a:xfrm>
+            <a:off x="457200" y="874514"/>
+            <a:ext cx="8229600" cy="3394472"/>
+          </a:xfrm>
+        </p:spPr>
         <p:txBody>
           <a:bodyPr>
             <a:normAutofit/>
@@ -3992,6 +5022,163 @@
               </a:rPr>
               <a:t>;</a:t>
             </a:r>
+          </a:p>
+        </p:txBody>
+      </p:sp>
+      <p:sp>
+        <p:nvSpPr>
+          <p:cNvPr id="4" name="Title 1">
+            <a:extLst>
+              <a:ext uri="{FF2B5EF4-FFF2-40B4-BE49-F238E27FC236}">
+                <a16:creationId xmlns:a16="http://schemas.microsoft.com/office/drawing/2014/main" id="{1EB97487-23C3-DA85-C615-E7562D71319B}"/>
+              </a:ext>
+            </a:extLst>
+          </p:cNvPr>
+          <p:cNvSpPr txBox="1">
+            <a:spLocks/>
+          </p:cNvSpPr>
+          <p:nvPr/>
+        </p:nvSpPr>
+        <p:spPr>
+          <a:xfrm>
+            <a:off x="0" y="1"/>
+            <a:ext cx="9144000" cy="548876"/>
+          </a:xfrm>
+          <a:prstGeom prst="rect">
+            <a:avLst/>
+          </a:prstGeom>
+          <a:solidFill>
+            <a:schemeClr val="tx1"/>
+          </a:solidFill>
+        </p:spPr>
+        <p:txBody>
+          <a:bodyPr vert="horz" lIns="91440" tIns="45720" rIns="91440" bIns="45720" rtlCol="0" anchor="ctr">
+            <a:normAutofit/>
+          </a:bodyPr>
+          <a:lstStyle>
+            <a:lvl1pPr algn="ctr" defTabSz="342900" rtl="0" eaLnBrk="1" latinLnBrk="0" hangingPunct="1">
+              <a:spcBef>
+                <a:spcPct val="0"/>
+              </a:spcBef>
+              <a:buNone/>
+              <a:defRPr sz="3300" kern="1200">
+                <a:solidFill>
+                  <a:schemeClr val="tx1"/>
+                </a:solidFill>
+                <a:latin typeface="+mj-lt"/>
+                <a:ea typeface="+mj-ea"/>
+                <a:cs typeface="+mj-cs"/>
+              </a:defRPr>
+            </a:lvl1pPr>
+          </a:lstStyle>
+          <a:p>
+            <a:pPr algn="l"/>
+            <a:r>
+              <a:rPr lang="en-US" sz="2800" dirty="0">
+                <a:solidFill>
+                  <a:schemeClr val="bg1"/>
+                </a:solidFill>
+              </a:rPr>
+              <a:t>Greater Than or Equal To (&gt;=):</a:t>
+            </a:r>
+            <a:endParaRPr lang="en-IN" sz="2800" dirty="0">
+              <a:solidFill>
+                <a:schemeClr val="bg1"/>
+              </a:solidFill>
+            </a:endParaRPr>
+          </a:p>
+        </p:txBody>
+      </p:sp>
+      <p:pic>
+        <p:nvPicPr>
+          <p:cNvPr id="5" name="Picture 4">
+            <a:extLst>
+              <a:ext uri="{FF2B5EF4-FFF2-40B4-BE49-F238E27FC236}">
+                <a16:creationId xmlns:a16="http://schemas.microsoft.com/office/drawing/2014/main" id="{793357B2-BE23-0481-0DBB-3B5EF4731F03}"/>
+              </a:ext>
+            </a:extLst>
+          </p:cNvPr>
+          <p:cNvPicPr>
+            <a:picLocks noChangeAspect="1"/>
+          </p:cNvPicPr>
+          <p:nvPr/>
+        </p:nvPicPr>
+        <p:blipFill>
+          <a:blip r:embed="rId2"/>
+          <a:stretch>
+            <a:fillRect/>
+          </a:stretch>
+        </p:blipFill>
+        <p:spPr>
+          <a:xfrm>
+            <a:off x="5763675" y="51792"/>
+            <a:ext cx="3380325" cy="445294"/>
+          </a:xfrm>
+          <a:prstGeom prst="rect">
+            <a:avLst/>
+          </a:prstGeom>
+        </p:spPr>
+      </p:pic>
+      <p:sp>
+        <p:nvSpPr>
+          <p:cNvPr id="6" name="Title 1">
+            <a:extLst>
+              <a:ext uri="{FF2B5EF4-FFF2-40B4-BE49-F238E27FC236}">
+                <a16:creationId xmlns:a16="http://schemas.microsoft.com/office/drawing/2014/main" id="{2FDEC08D-22DB-328E-5603-C63967FD28F7}"/>
+              </a:ext>
+            </a:extLst>
+          </p:cNvPr>
+          <p:cNvSpPr txBox="1">
+            <a:spLocks/>
+          </p:cNvSpPr>
+          <p:nvPr/>
+        </p:nvSpPr>
+        <p:spPr>
+          <a:xfrm>
+            <a:off x="0" y="4858718"/>
+            <a:ext cx="9144000" cy="284781"/>
+          </a:xfrm>
+          <a:prstGeom prst="rect">
+            <a:avLst/>
+          </a:prstGeom>
+          <a:solidFill>
+            <a:schemeClr val="tx1"/>
+          </a:solidFill>
+        </p:spPr>
+        <p:txBody>
+          <a:bodyPr vert="horz" lIns="91440" tIns="45720" rIns="91440" bIns="45720" rtlCol="0" anchor="ctr">
+            <a:normAutofit/>
+          </a:bodyPr>
+          <a:lstStyle>
+            <a:lvl1pPr algn="ctr" defTabSz="342900" rtl="0" eaLnBrk="1" latinLnBrk="0" hangingPunct="1">
+              <a:spcBef>
+                <a:spcPct val="0"/>
+              </a:spcBef>
+              <a:buNone/>
+              <a:defRPr sz="3300" kern="1200">
+                <a:solidFill>
+                  <a:schemeClr val="tx1"/>
+                </a:solidFill>
+                <a:latin typeface="+mj-lt"/>
+                <a:ea typeface="+mj-ea"/>
+                <a:cs typeface="+mj-cs"/>
+              </a:defRPr>
+            </a:lvl1pPr>
+          </a:lstStyle>
+          <a:p>
+            <a:r>
+              <a:rPr lang="en-IN" sz="1200" dirty="0">
+                <a:solidFill>
+                  <a:schemeClr val="bg1"/>
+                </a:solidFill>
+              </a:rPr>
+              <a:t>(©) tinitiate.com</a:t>
+            </a:r>
+            <a:endParaRPr lang="en-IN" sz="1000" dirty="0">
+              <a:solidFill>
+                <a:schemeClr val="bg1"/>
+              </a:solidFill>
+            </a:endParaRPr>
           </a:p>
         </p:txBody>
       </p:sp>
@@ -4022,31 +5209,6 @@
       </p:grpSpPr>
       <p:sp>
         <p:nvSpPr>
-          <p:cNvPr id="2" name="Title 1"/>
-          <p:cNvSpPr>
-            <a:spLocks noGrp="1"/>
-          </p:cNvSpPr>
-          <p:nvPr>
-            <p:ph type="title"/>
-          </p:nvPr>
-        </p:nvSpPr>
-        <p:spPr/>
-        <p:txBody>
-          <a:bodyPr/>
-          <a:lstStyle/>
-          <a:p>
-            <a:pPr marL="0" lvl="0" indent="0">
-              <a:buNone/>
-            </a:pPr>
-            <a:r>
-              <a:rPr dirty="0"/>
-              <a:t>Less Than (&lt;):</a:t>
-            </a:r>
-          </a:p>
-        </p:txBody>
-      </p:sp>
-      <p:sp>
-        <p:nvSpPr>
           <p:cNvPr id="3" name="Content Placeholder 2"/>
           <p:cNvSpPr>
             <a:spLocks noGrp="1"/>
@@ -4055,7 +5217,12 @@
             <p:ph idx="1"/>
           </p:nvPr>
         </p:nvSpPr>
-        <p:spPr/>
+        <p:spPr>
+          <a:xfrm>
+            <a:off x="457200" y="874514"/>
+            <a:ext cx="8229600" cy="3394472"/>
+          </a:xfrm>
+        </p:spPr>
         <p:txBody>
           <a:bodyPr>
             <a:normAutofit/>
@@ -4192,6 +5359,158 @@
               </a:rPr>
               <a:t>;</a:t>
             </a:r>
+          </a:p>
+        </p:txBody>
+      </p:sp>
+      <p:sp>
+        <p:nvSpPr>
+          <p:cNvPr id="4" name="Title 1">
+            <a:extLst>
+              <a:ext uri="{FF2B5EF4-FFF2-40B4-BE49-F238E27FC236}">
+                <a16:creationId xmlns:a16="http://schemas.microsoft.com/office/drawing/2014/main" id="{3C95EFC2-5E7C-8D44-CE32-C9A316DA73D8}"/>
+              </a:ext>
+            </a:extLst>
+          </p:cNvPr>
+          <p:cNvSpPr txBox="1">
+            <a:spLocks/>
+          </p:cNvSpPr>
+          <p:nvPr/>
+        </p:nvSpPr>
+        <p:spPr>
+          <a:xfrm>
+            <a:off x="0" y="1"/>
+            <a:ext cx="9144000" cy="548876"/>
+          </a:xfrm>
+          <a:prstGeom prst="rect">
+            <a:avLst/>
+          </a:prstGeom>
+          <a:solidFill>
+            <a:schemeClr val="tx1"/>
+          </a:solidFill>
+        </p:spPr>
+        <p:txBody>
+          <a:bodyPr vert="horz" lIns="91440" tIns="45720" rIns="91440" bIns="45720" rtlCol="0" anchor="ctr">
+            <a:normAutofit/>
+          </a:bodyPr>
+          <a:lstStyle>
+            <a:lvl1pPr algn="ctr" defTabSz="342900" rtl="0" eaLnBrk="1" latinLnBrk="0" hangingPunct="1">
+              <a:spcBef>
+                <a:spcPct val="0"/>
+              </a:spcBef>
+              <a:buNone/>
+              <a:defRPr sz="3300" kern="1200">
+                <a:solidFill>
+                  <a:schemeClr val="tx1"/>
+                </a:solidFill>
+                <a:latin typeface="+mj-lt"/>
+                <a:ea typeface="+mj-ea"/>
+                <a:cs typeface="+mj-cs"/>
+              </a:defRPr>
+            </a:lvl1pPr>
+          </a:lstStyle>
+          <a:p>
+            <a:pPr algn="l"/>
+            <a:r>
+              <a:rPr lang="en-IN" sz="2800" dirty="0">
+                <a:solidFill>
+                  <a:schemeClr val="bg1"/>
+                </a:solidFill>
+              </a:rPr>
+              <a:t>Less Than (&lt;):</a:t>
+            </a:r>
+          </a:p>
+        </p:txBody>
+      </p:sp>
+      <p:pic>
+        <p:nvPicPr>
+          <p:cNvPr id="5" name="Picture 4">
+            <a:extLst>
+              <a:ext uri="{FF2B5EF4-FFF2-40B4-BE49-F238E27FC236}">
+                <a16:creationId xmlns:a16="http://schemas.microsoft.com/office/drawing/2014/main" id="{1FC6A9FE-0D33-BF5A-14C1-0349661AEC64}"/>
+              </a:ext>
+            </a:extLst>
+          </p:cNvPr>
+          <p:cNvPicPr>
+            <a:picLocks noChangeAspect="1"/>
+          </p:cNvPicPr>
+          <p:nvPr/>
+        </p:nvPicPr>
+        <p:blipFill>
+          <a:blip r:embed="rId2"/>
+          <a:stretch>
+            <a:fillRect/>
+          </a:stretch>
+        </p:blipFill>
+        <p:spPr>
+          <a:xfrm>
+            <a:off x="5763675" y="51792"/>
+            <a:ext cx="3380325" cy="445294"/>
+          </a:xfrm>
+          <a:prstGeom prst="rect">
+            <a:avLst/>
+          </a:prstGeom>
+        </p:spPr>
+      </p:pic>
+      <p:sp>
+        <p:nvSpPr>
+          <p:cNvPr id="6" name="Title 1">
+            <a:extLst>
+              <a:ext uri="{FF2B5EF4-FFF2-40B4-BE49-F238E27FC236}">
+                <a16:creationId xmlns:a16="http://schemas.microsoft.com/office/drawing/2014/main" id="{F5EA341B-BBCF-D830-F560-D1FBD28D3345}"/>
+              </a:ext>
+            </a:extLst>
+          </p:cNvPr>
+          <p:cNvSpPr txBox="1">
+            <a:spLocks/>
+          </p:cNvSpPr>
+          <p:nvPr/>
+        </p:nvSpPr>
+        <p:spPr>
+          <a:xfrm>
+            <a:off x="0" y="4858718"/>
+            <a:ext cx="9144000" cy="284781"/>
+          </a:xfrm>
+          <a:prstGeom prst="rect">
+            <a:avLst/>
+          </a:prstGeom>
+          <a:solidFill>
+            <a:schemeClr val="tx1"/>
+          </a:solidFill>
+        </p:spPr>
+        <p:txBody>
+          <a:bodyPr vert="horz" lIns="91440" tIns="45720" rIns="91440" bIns="45720" rtlCol="0" anchor="ctr">
+            <a:normAutofit/>
+          </a:bodyPr>
+          <a:lstStyle>
+            <a:lvl1pPr algn="ctr" defTabSz="342900" rtl="0" eaLnBrk="1" latinLnBrk="0" hangingPunct="1">
+              <a:spcBef>
+                <a:spcPct val="0"/>
+              </a:spcBef>
+              <a:buNone/>
+              <a:defRPr sz="3300" kern="1200">
+                <a:solidFill>
+                  <a:schemeClr val="tx1"/>
+                </a:solidFill>
+                <a:latin typeface="+mj-lt"/>
+                <a:ea typeface="+mj-ea"/>
+                <a:cs typeface="+mj-cs"/>
+              </a:defRPr>
+            </a:lvl1pPr>
+          </a:lstStyle>
+          <a:p>
+            <a:r>
+              <a:rPr lang="en-IN" sz="1200" dirty="0">
+                <a:solidFill>
+                  <a:schemeClr val="bg1"/>
+                </a:solidFill>
+              </a:rPr>
+              <a:t>(©) tinitiate.com</a:t>
+            </a:r>
+            <a:endParaRPr lang="en-IN" sz="1000" dirty="0">
+              <a:solidFill>
+                <a:schemeClr val="bg1"/>
+              </a:solidFill>
+            </a:endParaRPr>
           </a:p>
         </p:txBody>
       </p:sp>
@@ -4222,31 +5541,6 @@
       </p:grpSpPr>
       <p:sp>
         <p:nvSpPr>
-          <p:cNvPr id="2" name="Title 1"/>
-          <p:cNvSpPr>
-            <a:spLocks noGrp="1"/>
-          </p:cNvSpPr>
-          <p:nvPr>
-            <p:ph type="title"/>
-          </p:nvPr>
-        </p:nvSpPr>
-        <p:spPr/>
-        <p:txBody>
-          <a:bodyPr/>
-          <a:lstStyle/>
-          <a:p>
-            <a:pPr marL="0" lvl="0" indent="0">
-              <a:buNone/>
-            </a:pPr>
-            <a:r>
-              <a:rPr dirty="0"/>
-              <a:t>Less Than or Equal To (&lt;=):</a:t>
-            </a:r>
-          </a:p>
-        </p:txBody>
-      </p:sp>
-      <p:sp>
-        <p:nvSpPr>
           <p:cNvPr id="3" name="Content Placeholder 2"/>
           <p:cNvSpPr>
             <a:spLocks noGrp="1"/>
@@ -4255,7 +5549,12 @@
             <p:ph idx="1"/>
           </p:nvPr>
         </p:nvSpPr>
-        <p:spPr/>
+        <p:spPr>
+          <a:xfrm>
+            <a:off x="457200" y="874514"/>
+            <a:ext cx="8229600" cy="3394472"/>
+          </a:xfrm>
+        </p:spPr>
         <p:txBody>
           <a:bodyPr>
             <a:normAutofit/>
@@ -4392,6 +5691,163 @@
               </a:rPr>
               <a:t>;</a:t>
             </a:r>
+          </a:p>
+        </p:txBody>
+      </p:sp>
+      <p:sp>
+        <p:nvSpPr>
+          <p:cNvPr id="4" name="Title 1">
+            <a:extLst>
+              <a:ext uri="{FF2B5EF4-FFF2-40B4-BE49-F238E27FC236}">
+                <a16:creationId xmlns:a16="http://schemas.microsoft.com/office/drawing/2014/main" id="{3674A74D-6FC8-7DC2-288A-8F1961B07AD6}"/>
+              </a:ext>
+            </a:extLst>
+          </p:cNvPr>
+          <p:cNvSpPr txBox="1">
+            <a:spLocks/>
+          </p:cNvSpPr>
+          <p:nvPr/>
+        </p:nvSpPr>
+        <p:spPr>
+          <a:xfrm>
+            <a:off x="0" y="1"/>
+            <a:ext cx="9144000" cy="548876"/>
+          </a:xfrm>
+          <a:prstGeom prst="rect">
+            <a:avLst/>
+          </a:prstGeom>
+          <a:solidFill>
+            <a:schemeClr val="tx1"/>
+          </a:solidFill>
+        </p:spPr>
+        <p:txBody>
+          <a:bodyPr vert="horz" lIns="91440" tIns="45720" rIns="91440" bIns="45720" rtlCol="0" anchor="ctr">
+            <a:normAutofit/>
+          </a:bodyPr>
+          <a:lstStyle>
+            <a:lvl1pPr algn="ctr" defTabSz="342900" rtl="0" eaLnBrk="1" latinLnBrk="0" hangingPunct="1">
+              <a:spcBef>
+                <a:spcPct val="0"/>
+              </a:spcBef>
+              <a:buNone/>
+              <a:defRPr sz="3300" kern="1200">
+                <a:solidFill>
+                  <a:schemeClr val="tx1"/>
+                </a:solidFill>
+                <a:latin typeface="+mj-lt"/>
+                <a:ea typeface="+mj-ea"/>
+                <a:cs typeface="+mj-cs"/>
+              </a:defRPr>
+            </a:lvl1pPr>
+          </a:lstStyle>
+          <a:p>
+            <a:pPr algn="l"/>
+            <a:r>
+              <a:rPr lang="en-US" sz="2800" dirty="0">
+                <a:solidFill>
+                  <a:schemeClr val="bg1"/>
+                </a:solidFill>
+              </a:rPr>
+              <a:t>Less Than or Equal To (&lt;=):</a:t>
+            </a:r>
+            <a:endParaRPr lang="en-IN" sz="2800" dirty="0">
+              <a:solidFill>
+                <a:schemeClr val="bg1"/>
+              </a:solidFill>
+            </a:endParaRPr>
+          </a:p>
+        </p:txBody>
+      </p:sp>
+      <p:pic>
+        <p:nvPicPr>
+          <p:cNvPr id="5" name="Picture 4">
+            <a:extLst>
+              <a:ext uri="{FF2B5EF4-FFF2-40B4-BE49-F238E27FC236}">
+                <a16:creationId xmlns:a16="http://schemas.microsoft.com/office/drawing/2014/main" id="{BCEBE4C1-4CB4-D4F9-833C-A4B2CCCC3F5B}"/>
+              </a:ext>
+            </a:extLst>
+          </p:cNvPr>
+          <p:cNvPicPr>
+            <a:picLocks noChangeAspect="1"/>
+          </p:cNvPicPr>
+          <p:nvPr/>
+        </p:nvPicPr>
+        <p:blipFill>
+          <a:blip r:embed="rId2"/>
+          <a:stretch>
+            <a:fillRect/>
+          </a:stretch>
+        </p:blipFill>
+        <p:spPr>
+          <a:xfrm>
+            <a:off x="5763675" y="51792"/>
+            <a:ext cx="3380325" cy="445294"/>
+          </a:xfrm>
+          <a:prstGeom prst="rect">
+            <a:avLst/>
+          </a:prstGeom>
+        </p:spPr>
+      </p:pic>
+      <p:sp>
+        <p:nvSpPr>
+          <p:cNvPr id="6" name="Title 1">
+            <a:extLst>
+              <a:ext uri="{FF2B5EF4-FFF2-40B4-BE49-F238E27FC236}">
+                <a16:creationId xmlns:a16="http://schemas.microsoft.com/office/drawing/2014/main" id="{0533BD9B-CC41-024B-09D9-D40476193563}"/>
+              </a:ext>
+            </a:extLst>
+          </p:cNvPr>
+          <p:cNvSpPr txBox="1">
+            <a:spLocks/>
+          </p:cNvSpPr>
+          <p:nvPr/>
+        </p:nvSpPr>
+        <p:spPr>
+          <a:xfrm>
+            <a:off x="0" y="4858718"/>
+            <a:ext cx="9144000" cy="284781"/>
+          </a:xfrm>
+          <a:prstGeom prst="rect">
+            <a:avLst/>
+          </a:prstGeom>
+          <a:solidFill>
+            <a:schemeClr val="tx1"/>
+          </a:solidFill>
+        </p:spPr>
+        <p:txBody>
+          <a:bodyPr vert="horz" lIns="91440" tIns="45720" rIns="91440" bIns="45720" rtlCol="0" anchor="ctr">
+            <a:normAutofit/>
+          </a:bodyPr>
+          <a:lstStyle>
+            <a:lvl1pPr algn="ctr" defTabSz="342900" rtl="0" eaLnBrk="1" latinLnBrk="0" hangingPunct="1">
+              <a:spcBef>
+                <a:spcPct val="0"/>
+              </a:spcBef>
+              <a:buNone/>
+              <a:defRPr sz="3300" kern="1200">
+                <a:solidFill>
+                  <a:schemeClr val="tx1"/>
+                </a:solidFill>
+                <a:latin typeface="+mj-lt"/>
+                <a:ea typeface="+mj-ea"/>
+                <a:cs typeface="+mj-cs"/>
+              </a:defRPr>
+            </a:lvl1pPr>
+          </a:lstStyle>
+          <a:p>
+            <a:r>
+              <a:rPr lang="en-IN" sz="1200" dirty="0">
+                <a:solidFill>
+                  <a:schemeClr val="bg1"/>
+                </a:solidFill>
+              </a:rPr>
+              <a:t>(©) tinitiate.com</a:t>
+            </a:r>
+            <a:endParaRPr lang="en-IN" sz="1000" dirty="0">
+              <a:solidFill>
+                <a:schemeClr val="bg1"/>
+              </a:solidFill>
+            </a:endParaRPr>
           </a:p>
         </p:txBody>
       </p:sp>
@@ -4422,30 +5878,6 @@
       </p:grpSpPr>
       <p:sp>
         <p:nvSpPr>
-          <p:cNvPr id="2" name="Title 1"/>
-          <p:cNvSpPr>
-            <a:spLocks noGrp="1"/>
-          </p:cNvSpPr>
-          <p:nvPr>
-            <p:ph type="title"/>
-          </p:nvPr>
-        </p:nvSpPr>
-        <p:spPr/>
-        <p:txBody>
-          <a:bodyPr/>
-          <a:lstStyle/>
-          <a:p>
-            <a:pPr marL="0" lvl="0" indent="0">
-              <a:buNone/>
-            </a:pPr>
-            <a:r>
-              <a:t>EXISTS Operator:</a:t>
-            </a:r>
-          </a:p>
-        </p:txBody>
-      </p:sp>
-      <p:sp>
-        <p:nvSpPr>
           <p:cNvPr id="3" name="Content Placeholder 2"/>
           <p:cNvSpPr>
             <a:spLocks noGrp="1"/>
@@ -4454,7 +5886,12 @@
             <p:ph idx="1"/>
           </p:nvPr>
         </p:nvSpPr>
-        <p:spPr/>
+        <p:spPr>
+          <a:xfrm>
+            <a:off x="457200" y="874514"/>
+            <a:ext cx="8229600" cy="3394472"/>
+          </a:xfrm>
+        </p:spPr>
         <p:txBody>
           <a:bodyPr>
             <a:noAutofit/>
@@ -4712,6 +6149,158 @@
               </a:rPr>
               <a:t>);</a:t>
             </a:r>
+          </a:p>
+        </p:txBody>
+      </p:sp>
+      <p:sp>
+        <p:nvSpPr>
+          <p:cNvPr id="4" name="Title 1">
+            <a:extLst>
+              <a:ext uri="{FF2B5EF4-FFF2-40B4-BE49-F238E27FC236}">
+                <a16:creationId xmlns:a16="http://schemas.microsoft.com/office/drawing/2014/main" id="{1254C4AE-CEFF-A057-7965-F963394CA7E9}"/>
+              </a:ext>
+            </a:extLst>
+          </p:cNvPr>
+          <p:cNvSpPr txBox="1">
+            <a:spLocks/>
+          </p:cNvSpPr>
+          <p:nvPr/>
+        </p:nvSpPr>
+        <p:spPr>
+          <a:xfrm>
+            <a:off x="0" y="1"/>
+            <a:ext cx="9144000" cy="548876"/>
+          </a:xfrm>
+          <a:prstGeom prst="rect">
+            <a:avLst/>
+          </a:prstGeom>
+          <a:solidFill>
+            <a:schemeClr val="tx1"/>
+          </a:solidFill>
+        </p:spPr>
+        <p:txBody>
+          <a:bodyPr vert="horz" lIns="91440" tIns="45720" rIns="91440" bIns="45720" rtlCol="0" anchor="ctr">
+            <a:normAutofit/>
+          </a:bodyPr>
+          <a:lstStyle>
+            <a:lvl1pPr algn="ctr" defTabSz="342900" rtl="0" eaLnBrk="1" latinLnBrk="0" hangingPunct="1">
+              <a:spcBef>
+                <a:spcPct val="0"/>
+              </a:spcBef>
+              <a:buNone/>
+              <a:defRPr sz="3300" kern="1200">
+                <a:solidFill>
+                  <a:schemeClr val="tx1"/>
+                </a:solidFill>
+                <a:latin typeface="+mj-lt"/>
+                <a:ea typeface="+mj-ea"/>
+                <a:cs typeface="+mj-cs"/>
+              </a:defRPr>
+            </a:lvl1pPr>
+          </a:lstStyle>
+          <a:p>
+            <a:pPr algn="l"/>
+            <a:r>
+              <a:rPr lang="en-IN" sz="2800" dirty="0">
+                <a:solidFill>
+                  <a:schemeClr val="bg1"/>
+                </a:solidFill>
+              </a:rPr>
+              <a:t>EXISTS Operator:</a:t>
+            </a:r>
+          </a:p>
+        </p:txBody>
+      </p:sp>
+      <p:pic>
+        <p:nvPicPr>
+          <p:cNvPr id="5" name="Picture 4">
+            <a:extLst>
+              <a:ext uri="{FF2B5EF4-FFF2-40B4-BE49-F238E27FC236}">
+                <a16:creationId xmlns:a16="http://schemas.microsoft.com/office/drawing/2014/main" id="{70E1680C-6637-1AF5-8255-82D56E29EA5D}"/>
+              </a:ext>
+            </a:extLst>
+          </p:cNvPr>
+          <p:cNvPicPr>
+            <a:picLocks noChangeAspect="1"/>
+          </p:cNvPicPr>
+          <p:nvPr/>
+        </p:nvPicPr>
+        <p:blipFill>
+          <a:blip r:embed="rId2"/>
+          <a:stretch>
+            <a:fillRect/>
+          </a:stretch>
+        </p:blipFill>
+        <p:spPr>
+          <a:xfrm>
+            <a:off x="5763675" y="51792"/>
+            <a:ext cx="3380325" cy="445294"/>
+          </a:xfrm>
+          <a:prstGeom prst="rect">
+            <a:avLst/>
+          </a:prstGeom>
+        </p:spPr>
+      </p:pic>
+      <p:sp>
+        <p:nvSpPr>
+          <p:cNvPr id="6" name="Title 1">
+            <a:extLst>
+              <a:ext uri="{FF2B5EF4-FFF2-40B4-BE49-F238E27FC236}">
+                <a16:creationId xmlns:a16="http://schemas.microsoft.com/office/drawing/2014/main" id="{21363300-A070-8C95-9E38-5C4E588F4BBE}"/>
+              </a:ext>
+            </a:extLst>
+          </p:cNvPr>
+          <p:cNvSpPr txBox="1">
+            <a:spLocks/>
+          </p:cNvSpPr>
+          <p:nvPr/>
+        </p:nvSpPr>
+        <p:spPr>
+          <a:xfrm>
+            <a:off x="0" y="4858718"/>
+            <a:ext cx="9144000" cy="284781"/>
+          </a:xfrm>
+          <a:prstGeom prst="rect">
+            <a:avLst/>
+          </a:prstGeom>
+          <a:solidFill>
+            <a:schemeClr val="tx1"/>
+          </a:solidFill>
+        </p:spPr>
+        <p:txBody>
+          <a:bodyPr vert="horz" lIns="91440" tIns="45720" rIns="91440" bIns="45720" rtlCol="0" anchor="ctr">
+            <a:normAutofit/>
+          </a:bodyPr>
+          <a:lstStyle>
+            <a:lvl1pPr algn="ctr" defTabSz="342900" rtl="0" eaLnBrk="1" latinLnBrk="0" hangingPunct="1">
+              <a:spcBef>
+                <a:spcPct val="0"/>
+              </a:spcBef>
+              <a:buNone/>
+              <a:defRPr sz="3300" kern="1200">
+                <a:solidFill>
+                  <a:schemeClr val="tx1"/>
+                </a:solidFill>
+                <a:latin typeface="+mj-lt"/>
+                <a:ea typeface="+mj-ea"/>
+                <a:cs typeface="+mj-cs"/>
+              </a:defRPr>
+            </a:lvl1pPr>
+          </a:lstStyle>
+          <a:p>
+            <a:r>
+              <a:rPr lang="en-IN" sz="1200" dirty="0">
+                <a:solidFill>
+                  <a:schemeClr val="bg1"/>
+                </a:solidFill>
+              </a:rPr>
+              <a:t>(©) tinitiate.com</a:t>
+            </a:r>
+            <a:endParaRPr lang="en-IN" sz="1000" dirty="0">
+              <a:solidFill>
+                <a:schemeClr val="bg1"/>
+              </a:solidFill>
+            </a:endParaRPr>
           </a:p>
         </p:txBody>
       </p:sp>
@@ -4742,31 +6331,6 @@
       </p:grpSpPr>
       <p:sp>
         <p:nvSpPr>
-          <p:cNvPr id="2" name="Title 1"/>
-          <p:cNvSpPr>
-            <a:spLocks noGrp="1"/>
-          </p:cNvSpPr>
-          <p:nvPr>
-            <p:ph type="title"/>
-          </p:nvPr>
-        </p:nvSpPr>
-        <p:spPr/>
-        <p:txBody>
-          <a:bodyPr/>
-          <a:lstStyle/>
-          <a:p>
-            <a:pPr marL="0" lvl="0" indent="0">
-              <a:buNone/>
-            </a:pPr>
-            <a:r>
-              <a:rPr dirty="0"/>
-              <a:t>NOT EXISTS Operator:</a:t>
-            </a:r>
-          </a:p>
-        </p:txBody>
-      </p:sp>
-      <p:sp>
-        <p:nvSpPr>
           <p:cNvPr id="3" name="Content Placeholder 2"/>
           <p:cNvSpPr>
             <a:spLocks noGrp="1"/>
@@ -4775,7 +6339,12 @@
             <p:ph idx="1"/>
           </p:nvPr>
         </p:nvSpPr>
-        <p:spPr/>
+        <p:spPr>
+          <a:xfrm>
+            <a:off x="457200" y="874514"/>
+            <a:ext cx="8229600" cy="3394472"/>
+          </a:xfrm>
+        </p:spPr>
         <p:txBody>
           <a:bodyPr>
             <a:noAutofit/>
@@ -5055,6 +6624,158 @@
               </a:rPr>
               <a:t>);</a:t>
             </a:r>
+          </a:p>
+        </p:txBody>
+      </p:sp>
+      <p:sp>
+        <p:nvSpPr>
+          <p:cNvPr id="4" name="Title 1">
+            <a:extLst>
+              <a:ext uri="{FF2B5EF4-FFF2-40B4-BE49-F238E27FC236}">
+                <a16:creationId xmlns:a16="http://schemas.microsoft.com/office/drawing/2014/main" id="{BB05A622-11F4-CD9B-74FD-248DE3621B3A}"/>
+              </a:ext>
+            </a:extLst>
+          </p:cNvPr>
+          <p:cNvSpPr txBox="1">
+            <a:spLocks/>
+          </p:cNvSpPr>
+          <p:nvPr/>
+        </p:nvSpPr>
+        <p:spPr>
+          <a:xfrm>
+            <a:off x="0" y="1"/>
+            <a:ext cx="9144000" cy="548876"/>
+          </a:xfrm>
+          <a:prstGeom prst="rect">
+            <a:avLst/>
+          </a:prstGeom>
+          <a:solidFill>
+            <a:schemeClr val="tx1"/>
+          </a:solidFill>
+        </p:spPr>
+        <p:txBody>
+          <a:bodyPr vert="horz" lIns="91440" tIns="45720" rIns="91440" bIns="45720" rtlCol="0" anchor="ctr">
+            <a:normAutofit/>
+          </a:bodyPr>
+          <a:lstStyle>
+            <a:lvl1pPr algn="ctr" defTabSz="342900" rtl="0" eaLnBrk="1" latinLnBrk="0" hangingPunct="1">
+              <a:spcBef>
+                <a:spcPct val="0"/>
+              </a:spcBef>
+              <a:buNone/>
+              <a:defRPr sz="3300" kern="1200">
+                <a:solidFill>
+                  <a:schemeClr val="tx1"/>
+                </a:solidFill>
+                <a:latin typeface="+mj-lt"/>
+                <a:ea typeface="+mj-ea"/>
+                <a:cs typeface="+mj-cs"/>
+              </a:defRPr>
+            </a:lvl1pPr>
+          </a:lstStyle>
+          <a:p>
+            <a:pPr algn="l"/>
+            <a:r>
+              <a:rPr lang="en-IN" sz="2800" dirty="0">
+                <a:solidFill>
+                  <a:schemeClr val="bg1"/>
+                </a:solidFill>
+              </a:rPr>
+              <a:t>NOT EXISTS Operator:</a:t>
+            </a:r>
+          </a:p>
+        </p:txBody>
+      </p:sp>
+      <p:pic>
+        <p:nvPicPr>
+          <p:cNvPr id="5" name="Picture 4">
+            <a:extLst>
+              <a:ext uri="{FF2B5EF4-FFF2-40B4-BE49-F238E27FC236}">
+                <a16:creationId xmlns:a16="http://schemas.microsoft.com/office/drawing/2014/main" id="{C52ED3BC-E9CE-240C-14DD-2B75A29C551C}"/>
+              </a:ext>
+            </a:extLst>
+          </p:cNvPr>
+          <p:cNvPicPr>
+            <a:picLocks noChangeAspect="1"/>
+          </p:cNvPicPr>
+          <p:nvPr/>
+        </p:nvPicPr>
+        <p:blipFill>
+          <a:blip r:embed="rId2"/>
+          <a:stretch>
+            <a:fillRect/>
+          </a:stretch>
+        </p:blipFill>
+        <p:spPr>
+          <a:xfrm>
+            <a:off x="5763675" y="51792"/>
+            <a:ext cx="3380325" cy="445294"/>
+          </a:xfrm>
+          <a:prstGeom prst="rect">
+            <a:avLst/>
+          </a:prstGeom>
+        </p:spPr>
+      </p:pic>
+      <p:sp>
+        <p:nvSpPr>
+          <p:cNvPr id="6" name="Title 1">
+            <a:extLst>
+              <a:ext uri="{FF2B5EF4-FFF2-40B4-BE49-F238E27FC236}">
+                <a16:creationId xmlns:a16="http://schemas.microsoft.com/office/drawing/2014/main" id="{362C6FB4-212D-E6A9-A608-F3AEEC8AB9CC}"/>
+              </a:ext>
+            </a:extLst>
+          </p:cNvPr>
+          <p:cNvSpPr txBox="1">
+            <a:spLocks/>
+          </p:cNvSpPr>
+          <p:nvPr/>
+        </p:nvSpPr>
+        <p:spPr>
+          <a:xfrm>
+            <a:off x="0" y="4858718"/>
+            <a:ext cx="9144000" cy="284781"/>
+          </a:xfrm>
+          <a:prstGeom prst="rect">
+            <a:avLst/>
+          </a:prstGeom>
+          <a:solidFill>
+            <a:schemeClr val="tx1"/>
+          </a:solidFill>
+        </p:spPr>
+        <p:txBody>
+          <a:bodyPr vert="horz" lIns="91440" tIns="45720" rIns="91440" bIns="45720" rtlCol="0" anchor="ctr">
+            <a:normAutofit/>
+          </a:bodyPr>
+          <a:lstStyle>
+            <a:lvl1pPr algn="ctr" defTabSz="342900" rtl="0" eaLnBrk="1" latinLnBrk="0" hangingPunct="1">
+              <a:spcBef>
+                <a:spcPct val="0"/>
+              </a:spcBef>
+              <a:buNone/>
+              <a:defRPr sz="3300" kern="1200">
+                <a:solidFill>
+                  <a:schemeClr val="tx1"/>
+                </a:solidFill>
+                <a:latin typeface="+mj-lt"/>
+                <a:ea typeface="+mj-ea"/>
+                <a:cs typeface="+mj-cs"/>
+              </a:defRPr>
+            </a:lvl1pPr>
+          </a:lstStyle>
+          <a:p>
+            <a:r>
+              <a:rPr lang="en-IN" sz="1200" dirty="0">
+                <a:solidFill>
+                  <a:schemeClr val="bg1"/>
+                </a:solidFill>
+              </a:rPr>
+              <a:t>(©) tinitiate.com</a:t>
+            </a:r>
+            <a:endParaRPr lang="en-IN" sz="1000" dirty="0">
+              <a:solidFill>
+                <a:schemeClr val="bg1"/>
+              </a:solidFill>
+            </a:endParaRPr>
           </a:p>
         </p:txBody>
       </p:sp>
@@ -5085,31 +6806,6 @@
       </p:grpSpPr>
       <p:sp>
         <p:nvSpPr>
-          <p:cNvPr id="2" name="Title 1"/>
-          <p:cNvSpPr>
-            <a:spLocks noGrp="1"/>
-          </p:cNvSpPr>
-          <p:nvPr>
-            <p:ph type="title"/>
-          </p:nvPr>
-        </p:nvSpPr>
-        <p:spPr/>
-        <p:txBody>
-          <a:bodyPr/>
-          <a:lstStyle/>
-          <a:p>
-            <a:pPr marL="0" lvl="0" indent="0">
-              <a:buNone/>
-            </a:pPr>
-            <a:r>
-              <a:rPr dirty="0"/>
-              <a:t>DQL - Basic Operators</a:t>
-            </a:r>
-          </a:p>
-        </p:txBody>
-      </p:sp>
-      <p:sp>
-        <p:nvSpPr>
           <p:cNvPr id="3" name="Content Placeholder 2"/>
           <p:cNvSpPr>
             <a:spLocks noGrp="1"/>
@@ -5118,7 +6814,12 @@
             <p:ph idx="1"/>
           </p:nvPr>
         </p:nvSpPr>
-        <p:spPr/>
+        <p:spPr>
+          <a:xfrm>
+            <a:off x="457200" y="874514"/>
+            <a:ext cx="8229600" cy="3394472"/>
+          </a:xfrm>
+        </p:spPr>
         <p:txBody>
           <a:bodyPr>
             <a:normAutofit/>
@@ -5130,6 +6831,158 @@
               <a:rPr sz="1800" dirty="0"/>
               <a:t>In SQL Server, operators are symbols or keywords used to perform operations on data, such as arithmetic operations, logical comparisons, and pattern matching.</a:t>
             </a:r>
+          </a:p>
+        </p:txBody>
+      </p:sp>
+      <p:sp>
+        <p:nvSpPr>
+          <p:cNvPr id="4" name="Title 1">
+            <a:extLst>
+              <a:ext uri="{FF2B5EF4-FFF2-40B4-BE49-F238E27FC236}">
+                <a16:creationId xmlns:a16="http://schemas.microsoft.com/office/drawing/2014/main" id="{182D7D54-DB83-6CF9-03B3-16C7F91E7DCC}"/>
+              </a:ext>
+            </a:extLst>
+          </p:cNvPr>
+          <p:cNvSpPr txBox="1">
+            <a:spLocks/>
+          </p:cNvSpPr>
+          <p:nvPr/>
+        </p:nvSpPr>
+        <p:spPr>
+          <a:xfrm>
+            <a:off x="0" y="1"/>
+            <a:ext cx="9144000" cy="548876"/>
+          </a:xfrm>
+          <a:prstGeom prst="rect">
+            <a:avLst/>
+          </a:prstGeom>
+          <a:solidFill>
+            <a:schemeClr val="tx1"/>
+          </a:solidFill>
+        </p:spPr>
+        <p:txBody>
+          <a:bodyPr vert="horz" lIns="91440" tIns="45720" rIns="91440" bIns="45720" rtlCol="0" anchor="ctr">
+            <a:normAutofit/>
+          </a:bodyPr>
+          <a:lstStyle>
+            <a:lvl1pPr algn="ctr" defTabSz="342900" rtl="0" eaLnBrk="1" latinLnBrk="0" hangingPunct="1">
+              <a:spcBef>
+                <a:spcPct val="0"/>
+              </a:spcBef>
+              <a:buNone/>
+              <a:defRPr sz="3300" kern="1200">
+                <a:solidFill>
+                  <a:schemeClr val="tx1"/>
+                </a:solidFill>
+                <a:latin typeface="+mj-lt"/>
+                <a:ea typeface="+mj-ea"/>
+                <a:cs typeface="+mj-cs"/>
+              </a:defRPr>
+            </a:lvl1pPr>
+          </a:lstStyle>
+          <a:p>
+            <a:pPr algn="l"/>
+            <a:r>
+              <a:rPr lang="en-IN" sz="2800" dirty="0">
+                <a:solidFill>
+                  <a:schemeClr val="bg1"/>
+                </a:solidFill>
+              </a:rPr>
+              <a:t>DQL - Basic Operators</a:t>
+            </a:r>
+          </a:p>
+        </p:txBody>
+      </p:sp>
+      <p:pic>
+        <p:nvPicPr>
+          <p:cNvPr id="5" name="Picture 4">
+            <a:extLst>
+              <a:ext uri="{FF2B5EF4-FFF2-40B4-BE49-F238E27FC236}">
+                <a16:creationId xmlns:a16="http://schemas.microsoft.com/office/drawing/2014/main" id="{A6FDF821-107E-CF42-8984-98FB432F919A}"/>
+              </a:ext>
+            </a:extLst>
+          </p:cNvPr>
+          <p:cNvPicPr>
+            <a:picLocks noChangeAspect="1"/>
+          </p:cNvPicPr>
+          <p:nvPr/>
+        </p:nvPicPr>
+        <p:blipFill>
+          <a:blip r:embed="rId2"/>
+          <a:stretch>
+            <a:fillRect/>
+          </a:stretch>
+        </p:blipFill>
+        <p:spPr>
+          <a:xfrm>
+            <a:off x="5763675" y="51792"/>
+            <a:ext cx="3380325" cy="445294"/>
+          </a:xfrm>
+          <a:prstGeom prst="rect">
+            <a:avLst/>
+          </a:prstGeom>
+        </p:spPr>
+      </p:pic>
+      <p:sp>
+        <p:nvSpPr>
+          <p:cNvPr id="6" name="Title 1">
+            <a:extLst>
+              <a:ext uri="{FF2B5EF4-FFF2-40B4-BE49-F238E27FC236}">
+                <a16:creationId xmlns:a16="http://schemas.microsoft.com/office/drawing/2014/main" id="{E620CFCA-E506-4519-4741-14CFE063F59E}"/>
+              </a:ext>
+            </a:extLst>
+          </p:cNvPr>
+          <p:cNvSpPr txBox="1">
+            <a:spLocks/>
+          </p:cNvSpPr>
+          <p:nvPr/>
+        </p:nvSpPr>
+        <p:spPr>
+          <a:xfrm>
+            <a:off x="0" y="4858718"/>
+            <a:ext cx="9144000" cy="284781"/>
+          </a:xfrm>
+          <a:prstGeom prst="rect">
+            <a:avLst/>
+          </a:prstGeom>
+          <a:solidFill>
+            <a:schemeClr val="tx1"/>
+          </a:solidFill>
+        </p:spPr>
+        <p:txBody>
+          <a:bodyPr vert="horz" lIns="91440" tIns="45720" rIns="91440" bIns="45720" rtlCol="0" anchor="ctr">
+            <a:normAutofit/>
+          </a:bodyPr>
+          <a:lstStyle>
+            <a:lvl1pPr algn="ctr" defTabSz="342900" rtl="0" eaLnBrk="1" latinLnBrk="0" hangingPunct="1">
+              <a:spcBef>
+                <a:spcPct val="0"/>
+              </a:spcBef>
+              <a:buNone/>
+              <a:defRPr sz="3300" kern="1200">
+                <a:solidFill>
+                  <a:schemeClr val="tx1"/>
+                </a:solidFill>
+                <a:latin typeface="+mj-lt"/>
+                <a:ea typeface="+mj-ea"/>
+                <a:cs typeface="+mj-cs"/>
+              </a:defRPr>
+            </a:lvl1pPr>
+          </a:lstStyle>
+          <a:p>
+            <a:r>
+              <a:rPr lang="en-IN" sz="1200" dirty="0">
+                <a:solidFill>
+                  <a:schemeClr val="bg1"/>
+                </a:solidFill>
+              </a:rPr>
+              <a:t>(©) tinitiate.com</a:t>
+            </a:r>
+            <a:endParaRPr lang="en-IN" sz="1000" dirty="0">
+              <a:solidFill>
+                <a:schemeClr val="bg1"/>
+              </a:solidFill>
+            </a:endParaRPr>
           </a:p>
         </p:txBody>
       </p:sp>
@@ -5160,31 +7013,6 @@
       </p:grpSpPr>
       <p:sp>
         <p:nvSpPr>
-          <p:cNvPr id="2" name="Title 1"/>
-          <p:cNvSpPr>
-            <a:spLocks noGrp="1"/>
-          </p:cNvSpPr>
-          <p:nvPr>
-            <p:ph type="title"/>
-          </p:nvPr>
-        </p:nvSpPr>
-        <p:spPr/>
-        <p:txBody>
-          <a:bodyPr/>
-          <a:lstStyle/>
-          <a:p>
-            <a:pPr marL="0" lvl="0" indent="0">
-              <a:buNone/>
-            </a:pPr>
-            <a:r>
-              <a:rPr dirty="0"/>
-              <a:t>Equality Operator (=):</a:t>
-            </a:r>
-          </a:p>
-        </p:txBody>
-      </p:sp>
-      <p:sp>
-        <p:nvSpPr>
           <p:cNvPr id="3" name="Content Placeholder 2"/>
           <p:cNvSpPr>
             <a:spLocks noGrp="1"/>
@@ -5193,7 +7021,12 @@
             <p:ph idx="1"/>
           </p:nvPr>
         </p:nvSpPr>
-        <p:spPr/>
+        <p:spPr>
+          <a:xfrm>
+            <a:off x="457200" y="874514"/>
+            <a:ext cx="8229600" cy="3394472"/>
+          </a:xfrm>
+        </p:spPr>
         <p:txBody>
           <a:bodyPr>
             <a:normAutofit/>
@@ -5325,6 +7158,158 @@
               </a:rPr>
               <a:t>;</a:t>
             </a:r>
+          </a:p>
+        </p:txBody>
+      </p:sp>
+      <p:sp>
+        <p:nvSpPr>
+          <p:cNvPr id="4" name="Title 1">
+            <a:extLst>
+              <a:ext uri="{FF2B5EF4-FFF2-40B4-BE49-F238E27FC236}">
+                <a16:creationId xmlns:a16="http://schemas.microsoft.com/office/drawing/2014/main" id="{D36F9375-9876-A86F-CDF1-19370E7D5CA4}"/>
+              </a:ext>
+            </a:extLst>
+          </p:cNvPr>
+          <p:cNvSpPr txBox="1">
+            <a:spLocks/>
+          </p:cNvSpPr>
+          <p:nvPr/>
+        </p:nvSpPr>
+        <p:spPr>
+          <a:xfrm>
+            <a:off x="0" y="1"/>
+            <a:ext cx="9144000" cy="548876"/>
+          </a:xfrm>
+          <a:prstGeom prst="rect">
+            <a:avLst/>
+          </a:prstGeom>
+          <a:solidFill>
+            <a:schemeClr val="tx1"/>
+          </a:solidFill>
+        </p:spPr>
+        <p:txBody>
+          <a:bodyPr vert="horz" lIns="91440" tIns="45720" rIns="91440" bIns="45720" rtlCol="0" anchor="ctr">
+            <a:normAutofit/>
+          </a:bodyPr>
+          <a:lstStyle>
+            <a:lvl1pPr algn="ctr" defTabSz="342900" rtl="0" eaLnBrk="1" latinLnBrk="0" hangingPunct="1">
+              <a:spcBef>
+                <a:spcPct val="0"/>
+              </a:spcBef>
+              <a:buNone/>
+              <a:defRPr sz="3300" kern="1200">
+                <a:solidFill>
+                  <a:schemeClr val="tx1"/>
+                </a:solidFill>
+                <a:latin typeface="+mj-lt"/>
+                <a:ea typeface="+mj-ea"/>
+                <a:cs typeface="+mj-cs"/>
+              </a:defRPr>
+            </a:lvl1pPr>
+          </a:lstStyle>
+          <a:p>
+            <a:pPr algn="l"/>
+            <a:r>
+              <a:rPr lang="en-IN" sz="2800" dirty="0">
+                <a:solidFill>
+                  <a:schemeClr val="bg1"/>
+                </a:solidFill>
+              </a:rPr>
+              <a:t>Equality Operator (=):</a:t>
+            </a:r>
+          </a:p>
+        </p:txBody>
+      </p:sp>
+      <p:pic>
+        <p:nvPicPr>
+          <p:cNvPr id="5" name="Picture 4">
+            <a:extLst>
+              <a:ext uri="{FF2B5EF4-FFF2-40B4-BE49-F238E27FC236}">
+                <a16:creationId xmlns:a16="http://schemas.microsoft.com/office/drawing/2014/main" id="{5F035D9C-8841-A278-A7C4-93D31EC23F8D}"/>
+              </a:ext>
+            </a:extLst>
+          </p:cNvPr>
+          <p:cNvPicPr>
+            <a:picLocks noChangeAspect="1"/>
+          </p:cNvPicPr>
+          <p:nvPr/>
+        </p:nvPicPr>
+        <p:blipFill>
+          <a:blip r:embed="rId2"/>
+          <a:stretch>
+            <a:fillRect/>
+          </a:stretch>
+        </p:blipFill>
+        <p:spPr>
+          <a:xfrm>
+            <a:off x="5763675" y="51792"/>
+            <a:ext cx="3380325" cy="445294"/>
+          </a:xfrm>
+          <a:prstGeom prst="rect">
+            <a:avLst/>
+          </a:prstGeom>
+        </p:spPr>
+      </p:pic>
+      <p:sp>
+        <p:nvSpPr>
+          <p:cNvPr id="6" name="Title 1">
+            <a:extLst>
+              <a:ext uri="{FF2B5EF4-FFF2-40B4-BE49-F238E27FC236}">
+                <a16:creationId xmlns:a16="http://schemas.microsoft.com/office/drawing/2014/main" id="{98839422-2731-4D42-9ADF-6B2C9E62C6B6}"/>
+              </a:ext>
+            </a:extLst>
+          </p:cNvPr>
+          <p:cNvSpPr txBox="1">
+            <a:spLocks/>
+          </p:cNvSpPr>
+          <p:nvPr/>
+        </p:nvSpPr>
+        <p:spPr>
+          <a:xfrm>
+            <a:off x="0" y="4858718"/>
+            <a:ext cx="9144000" cy="284781"/>
+          </a:xfrm>
+          <a:prstGeom prst="rect">
+            <a:avLst/>
+          </a:prstGeom>
+          <a:solidFill>
+            <a:schemeClr val="tx1"/>
+          </a:solidFill>
+        </p:spPr>
+        <p:txBody>
+          <a:bodyPr vert="horz" lIns="91440" tIns="45720" rIns="91440" bIns="45720" rtlCol="0" anchor="ctr">
+            <a:normAutofit/>
+          </a:bodyPr>
+          <a:lstStyle>
+            <a:lvl1pPr algn="ctr" defTabSz="342900" rtl="0" eaLnBrk="1" latinLnBrk="0" hangingPunct="1">
+              <a:spcBef>
+                <a:spcPct val="0"/>
+              </a:spcBef>
+              <a:buNone/>
+              <a:defRPr sz="3300" kern="1200">
+                <a:solidFill>
+                  <a:schemeClr val="tx1"/>
+                </a:solidFill>
+                <a:latin typeface="+mj-lt"/>
+                <a:ea typeface="+mj-ea"/>
+                <a:cs typeface="+mj-cs"/>
+              </a:defRPr>
+            </a:lvl1pPr>
+          </a:lstStyle>
+          <a:p>
+            <a:r>
+              <a:rPr lang="en-IN" sz="1200" dirty="0">
+                <a:solidFill>
+                  <a:schemeClr val="bg1"/>
+                </a:solidFill>
+              </a:rPr>
+              <a:t>(©) tinitiate.com</a:t>
+            </a:r>
+            <a:endParaRPr lang="en-IN" sz="1000" dirty="0">
+              <a:solidFill>
+                <a:schemeClr val="bg1"/>
+              </a:solidFill>
+            </a:endParaRPr>
           </a:p>
         </p:txBody>
       </p:sp>
@@ -5355,31 +7340,6 @@
       </p:grpSpPr>
       <p:sp>
         <p:nvSpPr>
-          <p:cNvPr id="2" name="Title 1"/>
-          <p:cNvSpPr>
-            <a:spLocks noGrp="1"/>
-          </p:cNvSpPr>
-          <p:nvPr>
-            <p:ph type="title"/>
-          </p:nvPr>
-        </p:nvSpPr>
-        <p:spPr/>
-        <p:txBody>
-          <a:bodyPr/>
-          <a:lstStyle/>
-          <a:p>
-            <a:pPr marL="0" lvl="0" indent="0">
-              <a:buNone/>
-            </a:pPr>
-            <a:r>
-              <a:rPr dirty="0"/>
-              <a:t>Inequality Operator (&lt;&gt;):</a:t>
-            </a:r>
-          </a:p>
-        </p:txBody>
-      </p:sp>
-      <p:sp>
-        <p:nvSpPr>
           <p:cNvPr id="3" name="Content Placeholder 2"/>
           <p:cNvSpPr>
             <a:spLocks noGrp="1"/>
@@ -5388,7 +7348,12 @@
             <p:ph idx="1"/>
           </p:nvPr>
         </p:nvSpPr>
-        <p:spPr/>
+        <p:spPr>
+          <a:xfrm>
+            <a:off x="457200" y="874514"/>
+            <a:ext cx="8229600" cy="3394472"/>
+          </a:xfrm>
+        </p:spPr>
         <p:txBody>
           <a:bodyPr>
             <a:noAutofit/>
@@ -5520,6 +7485,158 @@
               </a:rPr>
               <a:t>;</a:t>
             </a:r>
+          </a:p>
+        </p:txBody>
+      </p:sp>
+      <p:sp>
+        <p:nvSpPr>
+          <p:cNvPr id="4" name="Title 1">
+            <a:extLst>
+              <a:ext uri="{FF2B5EF4-FFF2-40B4-BE49-F238E27FC236}">
+                <a16:creationId xmlns:a16="http://schemas.microsoft.com/office/drawing/2014/main" id="{770FF955-D4A1-62BF-21F7-7B221FC443D9}"/>
+              </a:ext>
+            </a:extLst>
+          </p:cNvPr>
+          <p:cNvSpPr txBox="1">
+            <a:spLocks/>
+          </p:cNvSpPr>
+          <p:nvPr/>
+        </p:nvSpPr>
+        <p:spPr>
+          <a:xfrm>
+            <a:off x="0" y="1"/>
+            <a:ext cx="9144000" cy="548876"/>
+          </a:xfrm>
+          <a:prstGeom prst="rect">
+            <a:avLst/>
+          </a:prstGeom>
+          <a:solidFill>
+            <a:schemeClr val="tx1"/>
+          </a:solidFill>
+        </p:spPr>
+        <p:txBody>
+          <a:bodyPr vert="horz" lIns="91440" tIns="45720" rIns="91440" bIns="45720" rtlCol="0" anchor="ctr">
+            <a:normAutofit/>
+          </a:bodyPr>
+          <a:lstStyle>
+            <a:lvl1pPr algn="ctr" defTabSz="342900" rtl="0" eaLnBrk="1" latinLnBrk="0" hangingPunct="1">
+              <a:spcBef>
+                <a:spcPct val="0"/>
+              </a:spcBef>
+              <a:buNone/>
+              <a:defRPr sz="3300" kern="1200">
+                <a:solidFill>
+                  <a:schemeClr val="tx1"/>
+                </a:solidFill>
+                <a:latin typeface="+mj-lt"/>
+                <a:ea typeface="+mj-ea"/>
+                <a:cs typeface="+mj-cs"/>
+              </a:defRPr>
+            </a:lvl1pPr>
+          </a:lstStyle>
+          <a:p>
+            <a:pPr algn="l"/>
+            <a:r>
+              <a:rPr lang="en-IN" sz="2800" dirty="0">
+                <a:solidFill>
+                  <a:schemeClr val="bg1"/>
+                </a:solidFill>
+              </a:rPr>
+              <a:t>Inequality Operator (&lt;&gt;):</a:t>
+            </a:r>
+          </a:p>
+        </p:txBody>
+      </p:sp>
+      <p:pic>
+        <p:nvPicPr>
+          <p:cNvPr id="5" name="Picture 4">
+            <a:extLst>
+              <a:ext uri="{FF2B5EF4-FFF2-40B4-BE49-F238E27FC236}">
+                <a16:creationId xmlns:a16="http://schemas.microsoft.com/office/drawing/2014/main" id="{C5E99A3F-BFDD-72FE-34F4-AA56A5711364}"/>
+              </a:ext>
+            </a:extLst>
+          </p:cNvPr>
+          <p:cNvPicPr>
+            <a:picLocks noChangeAspect="1"/>
+          </p:cNvPicPr>
+          <p:nvPr/>
+        </p:nvPicPr>
+        <p:blipFill>
+          <a:blip r:embed="rId2"/>
+          <a:stretch>
+            <a:fillRect/>
+          </a:stretch>
+        </p:blipFill>
+        <p:spPr>
+          <a:xfrm>
+            <a:off x="5763675" y="51792"/>
+            <a:ext cx="3380325" cy="445294"/>
+          </a:xfrm>
+          <a:prstGeom prst="rect">
+            <a:avLst/>
+          </a:prstGeom>
+        </p:spPr>
+      </p:pic>
+      <p:sp>
+        <p:nvSpPr>
+          <p:cNvPr id="6" name="Title 1">
+            <a:extLst>
+              <a:ext uri="{FF2B5EF4-FFF2-40B4-BE49-F238E27FC236}">
+                <a16:creationId xmlns:a16="http://schemas.microsoft.com/office/drawing/2014/main" id="{5011DD8C-5466-DAC1-B77F-B16C2B6387C0}"/>
+              </a:ext>
+            </a:extLst>
+          </p:cNvPr>
+          <p:cNvSpPr txBox="1">
+            <a:spLocks/>
+          </p:cNvSpPr>
+          <p:nvPr/>
+        </p:nvSpPr>
+        <p:spPr>
+          <a:xfrm>
+            <a:off x="0" y="4858718"/>
+            <a:ext cx="9144000" cy="284781"/>
+          </a:xfrm>
+          <a:prstGeom prst="rect">
+            <a:avLst/>
+          </a:prstGeom>
+          <a:solidFill>
+            <a:schemeClr val="tx1"/>
+          </a:solidFill>
+        </p:spPr>
+        <p:txBody>
+          <a:bodyPr vert="horz" lIns="91440" tIns="45720" rIns="91440" bIns="45720" rtlCol="0" anchor="ctr">
+            <a:normAutofit/>
+          </a:bodyPr>
+          <a:lstStyle>
+            <a:lvl1pPr algn="ctr" defTabSz="342900" rtl="0" eaLnBrk="1" latinLnBrk="0" hangingPunct="1">
+              <a:spcBef>
+                <a:spcPct val="0"/>
+              </a:spcBef>
+              <a:buNone/>
+              <a:defRPr sz="3300" kern="1200">
+                <a:solidFill>
+                  <a:schemeClr val="tx1"/>
+                </a:solidFill>
+                <a:latin typeface="+mj-lt"/>
+                <a:ea typeface="+mj-ea"/>
+                <a:cs typeface="+mj-cs"/>
+              </a:defRPr>
+            </a:lvl1pPr>
+          </a:lstStyle>
+          <a:p>
+            <a:r>
+              <a:rPr lang="en-IN" sz="1200" dirty="0">
+                <a:solidFill>
+                  <a:schemeClr val="bg1"/>
+                </a:solidFill>
+              </a:rPr>
+              <a:t>(©) tinitiate.com</a:t>
+            </a:r>
+            <a:endParaRPr lang="en-IN" sz="1000" dirty="0">
+              <a:solidFill>
+                <a:schemeClr val="bg1"/>
+              </a:solidFill>
+            </a:endParaRPr>
           </a:p>
         </p:txBody>
       </p:sp>
@@ -5550,31 +7667,6 @@
       </p:grpSpPr>
       <p:sp>
         <p:nvSpPr>
-          <p:cNvPr id="2" name="Title 1"/>
-          <p:cNvSpPr>
-            <a:spLocks noGrp="1"/>
-          </p:cNvSpPr>
-          <p:nvPr>
-            <p:ph type="title"/>
-          </p:nvPr>
-        </p:nvSpPr>
-        <p:spPr/>
-        <p:txBody>
-          <a:bodyPr/>
-          <a:lstStyle/>
-          <a:p>
-            <a:pPr marL="0" lvl="0" indent="0">
-              <a:buNone/>
-            </a:pPr>
-            <a:r>
-              <a:rPr dirty="0"/>
-              <a:t>IN Operator:</a:t>
-            </a:r>
-          </a:p>
-        </p:txBody>
-      </p:sp>
-      <p:sp>
-        <p:nvSpPr>
           <p:cNvPr id="3" name="Content Placeholder 2"/>
           <p:cNvSpPr>
             <a:spLocks noGrp="1"/>
@@ -5583,7 +7675,12 @@
             <p:ph idx="1"/>
           </p:nvPr>
         </p:nvSpPr>
-        <p:spPr/>
+        <p:spPr>
+          <a:xfrm>
+            <a:off x="457200" y="874514"/>
+            <a:ext cx="8229600" cy="3394472"/>
+          </a:xfrm>
+        </p:spPr>
         <p:txBody>
           <a:bodyPr>
             <a:noAutofit/>
@@ -5757,6 +7854,158 @@
               </a:rPr>
               <a:t>);</a:t>
             </a:r>
+          </a:p>
+        </p:txBody>
+      </p:sp>
+      <p:sp>
+        <p:nvSpPr>
+          <p:cNvPr id="4" name="Title 1">
+            <a:extLst>
+              <a:ext uri="{FF2B5EF4-FFF2-40B4-BE49-F238E27FC236}">
+                <a16:creationId xmlns:a16="http://schemas.microsoft.com/office/drawing/2014/main" id="{6643B7F2-FE01-35CC-47D8-11D4620A2CE0}"/>
+              </a:ext>
+            </a:extLst>
+          </p:cNvPr>
+          <p:cNvSpPr txBox="1">
+            <a:spLocks/>
+          </p:cNvSpPr>
+          <p:nvPr/>
+        </p:nvSpPr>
+        <p:spPr>
+          <a:xfrm>
+            <a:off x="0" y="1"/>
+            <a:ext cx="9144000" cy="548876"/>
+          </a:xfrm>
+          <a:prstGeom prst="rect">
+            <a:avLst/>
+          </a:prstGeom>
+          <a:solidFill>
+            <a:schemeClr val="tx1"/>
+          </a:solidFill>
+        </p:spPr>
+        <p:txBody>
+          <a:bodyPr vert="horz" lIns="91440" tIns="45720" rIns="91440" bIns="45720" rtlCol="0" anchor="ctr">
+            <a:normAutofit/>
+          </a:bodyPr>
+          <a:lstStyle>
+            <a:lvl1pPr algn="ctr" defTabSz="342900" rtl="0" eaLnBrk="1" latinLnBrk="0" hangingPunct="1">
+              <a:spcBef>
+                <a:spcPct val="0"/>
+              </a:spcBef>
+              <a:buNone/>
+              <a:defRPr sz="3300" kern="1200">
+                <a:solidFill>
+                  <a:schemeClr val="tx1"/>
+                </a:solidFill>
+                <a:latin typeface="+mj-lt"/>
+                <a:ea typeface="+mj-ea"/>
+                <a:cs typeface="+mj-cs"/>
+              </a:defRPr>
+            </a:lvl1pPr>
+          </a:lstStyle>
+          <a:p>
+            <a:pPr algn="l"/>
+            <a:r>
+              <a:rPr lang="en-IN" sz="2800" dirty="0">
+                <a:solidFill>
+                  <a:schemeClr val="bg1"/>
+                </a:solidFill>
+              </a:rPr>
+              <a:t>IN Operator:</a:t>
+            </a:r>
+          </a:p>
+        </p:txBody>
+      </p:sp>
+      <p:pic>
+        <p:nvPicPr>
+          <p:cNvPr id="5" name="Picture 4">
+            <a:extLst>
+              <a:ext uri="{FF2B5EF4-FFF2-40B4-BE49-F238E27FC236}">
+                <a16:creationId xmlns:a16="http://schemas.microsoft.com/office/drawing/2014/main" id="{5A4EA725-6704-DA94-000D-E85BA821079D}"/>
+              </a:ext>
+            </a:extLst>
+          </p:cNvPr>
+          <p:cNvPicPr>
+            <a:picLocks noChangeAspect="1"/>
+          </p:cNvPicPr>
+          <p:nvPr/>
+        </p:nvPicPr>
+        <p:blipFill>
+          <a:blip r:embed="rId2"/>
+          <a:stretch>
+            <a:fillRect/>
+          </a:stretch>
+        </p:blipFill>
+        <p:spPr>
+          <a:xfrm>
+            <a:off x="5763675" y="51792"/>
+            <a:ext cx="3380325" cy="445294"/>
+          </a:xfrm>
+          <a:prstGeom prst="rect">
+            <a:avLst/>
+          </a:prstGeom>
+        </p:spPr>
+      </p:pic>
+      <p:sp>
+        <p:nvSpPr>
+          <p:cNvPr id="6" name="Title 1">
+            <a:extLst>
+              <a:ext uri="{FF2B5EF4-FFF2-40B4-BE49-F238E27FC236}">
+                <a16:creationId xmlns:a16="http://schemas.microsoft.com/office/drawing/2014/main" id="{BA6C6832-1FC6-54D8-0F1C-C8774C91DF24}"/>
+              </a:ext>
+            </a:extLst>
+          </p:cNvPr>
+          <p:cNvSpPr txBox="1">
+            <a:spLocks/>
+          </p:cNvSpPr>
+          <p:nvPr/>
+        </p:nvSpPr>
+        <p:spPr>
+          <a:xfrm>
+            <a:off x="0" y="4858718"/>
+            <a:ext cx="9144000" cy="284781"/>
+          </a:xfrm>
+          <a:prstGeom prst="rect">
+            <a:avLst/>
+          </a:prstGeom>
+          <a:solidFill>
+            <a:schemeClr val="tx1"/>
+          </a:solidFill>
+        </p:spPr>
+        <p:txBody>
+          <a:bodyPr vert="horz" lIns="91440" tIns="45720" rIns="91440" bIns="45720" rtlCol="0" anchor="ctr">
+            <a:normAutofit/>
+          </a:bodyPr>
+          <a:lstStyle>
+            <a:lvl1pPr algn="ctr" defTabSz="342900" rtl="0" eaLnBrk="1" latinLnBrk="0" hangingPunct="1">
+              <a:spcBef>
+                <a:spcPct val="0"/>
+              </a:spcBef>
+              <a:buNone/>
+              <a:defRPr sz="3300" kern="1200">
+                <a:solidFill>
+                  <a:schemeClr val="tx1"/>
+                </a:solidFill>
+                <a:latin typeface="+mj-lt"/>
+                <a:ea typeface="+mj-ea"/>
+                <a:cs typeface="+mj-cs"/>
+              </a:defRPr>
+            </a:lvl1pPr>
+          </a:lstStyle>
+          <a:p>
+            <a:r>
+              <a:rPr lang="en-IN" sz="1200" dirty="0">
+                <a:solidFill>
+                  <a:schemeClr val="bg1"/>
+                </a:solidFill>
+              </a:rPr>
+              <a:t>(©) tinitiate.com</a:t>
+            </a:r>
+            <a:endParaRPr lang="en-IN" sz="1000" dirty="0">
+              <a:solidFill>
+                <a:schemeClr val="bg1"/>
+              </a:solidFill>
+            </a:endParaRPr>
           </a:p>
         </p:txBody>
       </p:sp>
@@ -5787,31 +8036,6 @@
       </p:grpSpPr>
       <p:sp>
         <p:nvSpPr>
-          <p:cNvPr id="2" name="Title 1"/>
-          <p:cNvSpPr>
-            <a:spLocks noGrp="1"/>
-          </p:cNvSpPr>
-          <p:nvPr>
-            <p:ph type="title"/>
-          </p:nvPr>
-        </p:nvSpPr>
-        <p:spPr/>
-        <p:txBody>
-          <a:bodyPr/>
-          <a:lstStyle/>
-          <a:p>
-            <a:pPr marL="0" lvl="0" indent="0">
-              <a:buNone/>
-            </a:pPr>
-            <a:r>
-              <a:rPr dirty="0"/>
-              <a:t>NOT IN Operator:</a:t>
-            </a:r>
-          </a:p>
-        </p:txBody>
-      </p:sp>
-      <p:sp>
-        <p:nvSpPr>
           <p:cNvPr id="3" name="Content Placeholder 2"/>
           <p:cNvSpPr>
             <a:spLocks noGrp="1"/>
@@ -5820,7 +8044,12 @@
             <p:ph idx="1"/>
           </p:nvPr>
         </p:nvSpPr>
-        <p:spPr/>
+        <p:spPr>
+          <a:xfrm>
+            <a:off x="457200" y="874514"/>
+            <a:ext cx="8229600" cy="3394472"/>
+          </a:xfrm>
+        </p:spPr>
         <p:txBody>
           <a:bodyPr>
             <a:normAutofit/>
@@ -6009,6 +8238,158 @@
               </a:rPr>
               <a:t>);</a:t>
             </a:r>
+          </a:p>
+        </p:txBody>
+      </p:sp>
+      <p:sp>
+        <p:nvSpPr>
+          <p:cNvPr id="4" name="Title 1">
+            <a:extLst>
+              <a:ext uri="{FF2B5EF4-FFF2-40B4-BE49-F238E27FC236}">
+                <a16:creationId xmlns:a16="http://schemas.microsoft.com/office/drawing/2014/main" id="{03FBE938-ECF6-A4EE-33F7-6190AC0102FA}"/>
+              </a:ext>
+            </a:extLst>
+          </p:cNvPr>
+          <p:cNvSpPr txBox="1">
+            <a:spLocks/>
+          </p:cNvSpPr>
+          <p:nvPr/>
+        </p:nvSpPr>
+        <p:spPr>
+          <a:xfrm>
+            <a:off x="0" y="1"/>
+            <a:ext cx="9144000" cy="548876"/>
+          </a:xfrm>
+          <a:prstGeom prst="rect">
+            <a:avLst/>
+          </a:prstGeom>
+          <a:solidFill>
+            <a:schemeClr val="tx1"/>
+          </a:solidFill>
+        </p:spPr>
+        <p:txBody>
+          <a:bodyPr vert="horz" lIns="91440" tIns="45720" rIns="91440" bIns="45720" rtlCol="0" anchor="ctr">
+            <a:normAutofit/>
+          </a:bodyPr>
+          <a:lstStyle>
+            <a:lvl1pPr algn="ctr" defTabSz="342900" rtl="0" eaLnBrk="1" latinLnBrk="0" hangingPunct="1">
+              <a:spcBef>
+                <a:spcPct val="0"/>
+              </a:spcBef>
+              <a:buNone/>
+              <a:defRPr sz="3300" kern="1200">
+                <a:solidFill>
+                  <a:schemeClr val="tx1"/>
+                </a:solidFill>
+                <a:latin typeface="+mj-lt"/>
+                <a:ea typeface="+mj-ea"/>
+                <a:cs typeface="+mj-cs"/>
+              </a:defRPr>
+            </a:lvl1pPr>
+          </a:lstStyle>
+          <a:p>
+            <a:pPr algn="l"/>
+            <a:r>
+              <a:rPr lang="en-IN" sz="2800" dirty="0">
+                <a:solidFill>
+                  <a:schemeClr val="bg1"/>
+                </a:solidFill>
+              </a:rPr>
+              <a:t>NOT IN Operator:</a:t>
+            </a:r>
+          </a:p>
+        </p:txBody>
+      </p:sp>
+      <p:pic>
+        <p:nvPicPr>
+          <p:cNvPr id="5" name="Picture 4">
+            <a:extLst>
+              <a:ext uri="{FF2B5EF4-FFF2-40B4-BE49-F238E27FC236}">
+                <a16:creationId xmlns:a16="http://schemas.microsoft.com/office/drawing/2014/main" id="{F48ACE18-EB57-D5E8-02D0-61B333A39526}"/>
+              </a:ext>
+            </a:extLst>
+          </p:cNvPr>
+          <p:cNvPicPr>
+            <a:picLocks noChangeAspect="1"/>
+          </p:cNvPicPr>
+          <p:nvPr/>
+        </p:nvPicPr>
+        <p:blipFill>
+          <a:blip r:embed="rId2"/>
+          <a:stretch>
+            <a:fillRect/>
+          </a:stretch>
+        </p:blipFill>
+        <p:spPr>
+          <a:xfrm>
+            <a:off x="5763675" y="51792"/>
+            <a:ext cx="3380325" cy="445294"/>
+          </a:xfrm>
+          <a:prstGeom prst="rect">
+            <a:avLst/>
+          </a:prstGeom>
+        </p:spPr>
+      </p:pic>
+      <p:sp>
+        <p:nvSpPr>
+          <p:cNvPr id="6" name="Title 1">
+            <a:extLst>
+              <a:ext uri="{FF2B5EF4-FFF2-40B4-BE49-F238E27FC236}">
+                <a16:creationId xmlns:a16="http://schemas.microsoft.com/office/drawing/2014/main" id="{B73C2DE9-0BDC-194F-42B6-5774A76C39C1}"/>
+              </a:ext>
+            </a:extLst>
+          </p:cNvPr>
+          <p:cNvSpPr txBox="1">
+            <a:spLocks/>
+          </p:cNvSpPr>
+          <p:nvPr/>
+        </p:nvSpPr>
+        <p:spPr>
+          <a:xfrm>
+            <a:off x="0" y="4858718"/>
+            <a:ext cx="9144000" cy="284781"/>
+          </a:xfrm>
+          <a:prstGeom prst="rect">
+            <a:avLst/>
+          </a:prstGeom>
+          <a:solidFill>
+            <a:schemeClr val="tx1"/>
+          </a:solidFill>
+        </p:spPr>
+        <p:txBody>
+          <a:bodyPr vert="horz" lIns="91440" tIns="45720" rIns="91440" bIns="45720" rtlCol="0" anchor="ctr">
+            <a:normAutofit/>
+          </a:bodyPr>
+          <a:lstStyle>
+            <a:lvl1pPr algn="ctr" defTabSz="342900" rtl="0" eaLnBrk="1" latinLnBrk="0" hangingPunct="1">
+              <a:spcBef>
+                <a:spcPct val="0"/>
+              </a:spcBef>
+              <a:buNone/>
+              <a:defRPr sz="3300" kern="1200">
+                <a:solidFill>
+                  <a:schemeClr val="tx1"/>
+                </a:solidFill>
+                <a:latin typeface="+mj-lt"/>
+                <a:ea typeface="+mj-ea"/>
+                <a:cs typeface="+mj-cs"/>
+              </a:defRPr>
+            </a:lvl1pPr>
+          </a:lstStyle>
+          <a:p>
+            <a:r>
+              <a:rPr lang="en-IN" sz="1200" dirty="0">
+                <a:solidFill>
+                  <a:schemeClr val="bg1"/>
+                </a:solidFill>
+              </a:rPr>
+              <a:t>(©) tinitiate.com</a:t>
+            </a:r>
+            <a:endParaRPr lang="en-IN" sz="1000" dirty="0">
+              <a:solidFill>
+                <a:schemeClr val="bg1"/>
+              </a:solidFill>
+            </a:endParaRPr>
           </a:p>
         </p:txBody>
       </p:sp>
@@ -6039,31 +8420,6 @@
       </p:grpSpPr>
       <p:sp>
         <p:nvSpPr>
-          <p:cNvPr id="2" name="Title 1"/>
-          <p:cNvSpPr>
-            <a:spLocks noGrp="1"/>
-          </p:cNvSpPr>
-          <p:nvPr>
-            <p:ph type="title"/>
-          </p:nvPr>
-        </p:nvSpPr>
-        <p:spPr/>
-        <p:txBody>
-          <a:bodyPr/>
-          <a:lstStyle/>
-          <a:p>
-            <a:pPr marL="0" lvl="0" indent="0">
-              <a:buNone/>
-            </a:pPr>
-            <a:r>
-              <a:rPr dirty="0"/>
-              <a:t>LIKE Operator:</a:t>
-            </a:r>
-          </a:p>
-        </p:txBody>
-      </p:sp>
-      <p:sp>
-        <p:nvSpPr>
           <p:cNvPr id="3" name="Content Placeholder 2"/>
           <p:cNvSpPr>
             <a:spLocks noGrp="1"/>
@@ -6072,7 +8428,12 @@
             <p:ph idx="1"/>
           </p:nvPr>
         </p:nvSpPr>
-        <p:spPr/>
+        <p:spPr>
+          <a:xfrm>
+            <a:off x="457200" y="874514"/>
+            <a:ext cx="8229600" cy="3394472"/>
+          </a:xfrm>
+        </p:spPr>
         <p:txBody>
           <a:bodyPr>
             <a:noAutofit/>
@@ -6354,6 +8715,158 @@
               </a:rPr>
               <a:t>;</a:t>
             </a:r>
+          </a:p>
+        </p:txBody>
+      </p:sp>
+      <p:sp>
+        <p:nvSpPr>
+          <p:cNvPr id="4" name="Title 1">
+            <a:extLst>
+              <a:ext uri="{FF2B5EF4-FFF2-40B4-BE49-F238E27FC236}">
+                <a16:creationId xmlns:a16="http://schemas.microsoft.com/office/drawing/2014/main" id="{CC636BF4-A752-ECE9-985A-2F5D7F69389B}"/>
+              </a:ext>
+            </a:extLst>
+          </p:cNvPr>
+          <p:cNvSpPr txBox="1">
+            <a:spLocks/>
+          </p:cNvSpPr>
+          <p:nvPr/>
+        </p:nvSpPr>
+        <p:spPr>
+          <a:xfrm>
+            <a:off x="0" y="1"/>
+            <a:ext cx="9144000" cy="548876"/>
+          </a:xfrm>
+          <a:prstGeom prst="rect">
+            <a:avLst/>
+          </a:prstGeom>
+          <a:solidFill>
+            <a:schemeClr val="tx1"/>
+          </a:solidFill>
+        </p:spPr>
+        <p:txBody>
+          <a:bodyPr vert="horz" lIns="91440" tIns="45720" rIns="91440" bIns="45720" rtlCol="0" anchor="ctr">
+            <a:normAutofit/>
+          </a:bodyPr>
+          <a:lstStyle>
+            <a:lvl1pPr algn="ctr" defTabSz="342900" rtl="0" eaLnBrk="1" latinLnBrk="0" hangingPunct="1">
+              <a:spcBef>
+                <a:spcPct val="0"/>
+              </a:spcBef>
+              <a:buNone/>
+              <a:defRPr sz="3300" kern="1200">
+                <a:solidFill>
+                  <a:schemeClr val="tx1"/>
+                </a:solidFill>
+                <a:latin typeface="+mj-lt"/>
+                <a:ea typeface="+mj-ea"/>
+                <a:cs typeface="+mj-cs"/>
+              </a:defRPr>
+            </a:lvl1pPr>
+          </a:lstStyle>
+          <a:p>
+            <a:pPr algn="l"/>
+            <a:r>
+              <a:rPr lang="en-IN" sz="2800" dirty="0">
+                <a:solidFill>
+                  <a:schemeClr val="bg1"/>
+                </a:solidFill>
+              </a:rPr>
+              <a:t>LIKE Operator:</a:t>
+            </a:r>
+          </a:p>
+        </p:txBody>
+      </p:sp>
+      <p:pic>
+        <p:nvPicPr>
+          <p:cNvPr id="5" name="Picture 4">
+            <a:extLst>
+              <a:ext uri="{FF2B5EF4-FFF2-40B4-BE49-F238E27FC236}">
+                <a16:creationId xmlns:a16="http://schemas.microsoft.com/office/drawing/2014/main" id="{284762C9-044A-9B60-1853-277364382A4D}"/>
+              </a:ext>
+            </a:extLst>
+          </p:cNvPr>
+          <p:cNvPicPr>
+            <a:picLocks noChangeAspect="1"/>
+          </p:cNvPicPr>
+          <p:nvPr/>
+        </p:nvPicPr>
+        <p:blipFill>
+          <a:blip r:embed="rId2"/>
+          <a:stretch>
+            <a:fillRect/>
+          </a:stretch>
+        </p:blipFill>
+        <p:spPr>
+          <a:xfrm>
+            <a:off x="5763675" y="51792"/>
+            <a:ext cx="3380325" cy="445294"/>
+          </a:xfrm>
+          <a:prstGeom prst="rect">
+            <a:avLst/>
+          </a:prstGeom>
+        </p:spPr>
+      </p:pic>
+      <p:sp>
+        <p:nvSpPr>
+          <p:cNvPr id="6" name="Title 1">
+            <a:extLst>
+              <a:ext uri="{FF2B5EF4-FFF2-40B4-BE49-F238E27FC236}">
+                <a16:creationId xmlns:a16="http://schemas.microsoft.com/office/drawing/2014/main" id="{714F7931-3751-937A-76E0-04B8A6EB4A1B}"/>
+              </a:ext>
+            </a:extLst>
+          </p:cNvPr>
+          <p:cNvSpPr txBox="1">
+            <a:spLocks/>
+          </p:cNvSpPr>
+          <p:nvPr/>
+        </p:nvSpPr>
+        <p:spPr>
+          <a:xfrm>
+            <a:off x="0" y="4858718"/>
+            <a:ext cx="9144000" cy="284781"/>
+          </a:xfrm>
+          <a:prstGeom prst="rect">
+            <a:avLst/>
+          </a:prstGeom>
+          <a:solidFill>
+            <a:schemeClr val="tx1"/>
+          </a:solidFill>
+        </p:spPr>
+        <p:txBody>
+          <a:bodyPr vert="horz" lIns="91440" tIns="45720" rIns="91440" bIns="45720" rtlCol="0" anchor="ctr">
+            <a:normAutofit/>
+          </a:bodyPr>
+          <a:lstStyle>
+            <a:lvl1pPr algn="ctr" defTabSz="342900" rtl="0" eaLnBrk="1" latinLnBrk="0" hangingPunct="1">
+              <a:spcBef>
+                <a:spcPct val="0"/>
+              </a:spcBef>
+              <a:buNone/>
+              <a:defRPr sz="3300" kern="1200">
+                <a:solidFill>
+                  <a:schemeClr val="tx1"/>
+                </a:solidFill>
+                <a:latin typeface="+mj-lt"/>
+                <a:ea typeface="+mj-ea"/>
+                <a:cs typeface="+mj-cs"/>
+              </a:defRPr>
+            </a:lvl1pPr>
+          </a:lstStyle>
+          <a:p>
+            <a:r>
+              <a:rPr lang="en-IN" sz="1200" dirty="0">
+                <a:solidFill>
+                  <a:schemeClr val="bg1"/>
+                </a:solidFill>
+              </a:rPr>
+              <a:t>(©) tinitiate.com</a:t>
+            </a:r>
+            <a:endParaRPr lang="en-IN" sz="1000" dirty="0">
+              <a:solidFill>
+                <a:schemeClr val="bg1"/>
+              </a:solidFill>
+            </a:endParaRPr>
           </a:p>
         </p:txBody>
       </p:sp>
@@ -6390,37 +8903,6 @@
       </p:grpSpPr>
       <p:sp>
         <p:nvSpPr>
-          <p:cNvPr id="2" name="Title 1">
-            <a:extLst>
-              <a:ext uri="{FF2B5EF4-FFF2-40B4-BE49-F238E27FC236}">
-                <a16:creationId xmlns:a16="http://schemas.microsoft.com/office/drawing/2014/main" id="{C1B63D51-6BBD-AC66-847B-AE5345E393C4}"/>
-              </a:ext>
-            </a:extLst>
-          </p:cNvPr>
-          <p:cNvSpPr>
-            <a:spLocks noGrp="1"/>
-          </p:cNvSpPr>
-          <p:nvPr>
-            <p:ph type="title"/>
-          </p:nvPr>
-        </p:nvSpPr>
-        <p:spPr/>
-        <p:txBody>
-          <a:bodyPr/>
-          <a:lstStyle/>
-          <a:p>
-            <a:pPr marL="0" lvl="0" indent="0">
-              <a:buNone/>
-            </a:pPr>
-            <a:r>
-              <a:rPr dirty="0"/>
-              <a:t>LIKE Operator:</a:t>
-            </a:r>
-          </a:p>
-        </p:txBody>
-      </p:sp>
-      <p:sp>
-        <p:nvSpPr>
           <p:cNvPr id="3" name="Content Placeholder 2">
             <a:extLst>
               <a:ext uri="{FF2B5EF4-FFF2-40B4-BE49-F238E27FC236}">
@@ -6435,7 +8917,12 @@
             <p:ph idx="1"/>
           </p:nvPr>
         </p:nvSpPr>
-        <p:spPr/>
+        <p:spPr>
+          <a:xfrm>
+            <a:off x="457200" y="874514"/>
+            <a:ext cx="8229600" cy="3394472"/>
+          </a:xfrm>
+        </p:spPr>
         <p:txBody>
           <a:bodyPr>
             <a:noAutofit/>
@@ -6829,6 +9316,158 @@
               </a:rPr>
               <a:t>;</a:t>
             </a:r>
+          </a:p>
+        </p:txBody>
+      </p:sp>
+      <p:sp>
+        <p:nvSpPr>
+          <p:cNvPr id="4" name="Title 1">
+            <a:extLst>
+              <a:ext uri="{FF2B5EF4-FFF2-40B4-BE49-F238E27FC236}">
+                <a16:creationId xmlns:a16="http://schemas.microsoft.com/office/drawing/2014/main" id="{DE2FB064-0DEB-465E-9F65-188F2474C840}"/>
+              </a:ext>
+            </a:extLst>
+          </p:cNvPr>
+          <p:cNvSpPr txBox="1">
+            <a:spLocks/>
+          </p:cNvSpPr>
+          <p:nvPr/>
+        </p:nvSpPr>
+        <p:spPr>
+          <a:xfrm>
+            <a:off x="0" y="1"/>
+            <a:ext cx="9144000" cy="548876"/>
+          </a:xfrm>
+          <a:prstGeom prst="rect">
+            <a:avLst/>
+          </a:prstGeom>
+          <a:solidFill>
+            <a:schemeClr val="tx1"/>
+          </a:solidFill>
+        </p:spPr>
+        <p:txBody>
+          <a:bodyPr vert="horz" lIns="91440" tIns="45720" rIns="91440" bIns="45720" rtlCol="0" anchor="ctr">
+            <a:normAutofit/>
+          </a:bodyPr>
+          <a:lstStyle>
+            <a:lvl1pPr algn="ctr" defTabSz="342900" rtl="0" eaLnBrk="1" latinLnBrk="0" hangingPunct="1">
+              <a:spcBef>
+                <a:spcPct val="0"/>
+              </a:spcBef>
+              <a:buNone/>
+              <a:defRPr sz="3300" kern="1200">
+                <a:solidFill>
+                  <a:schemeClr val="tx1"/>
+                </a:solidFill>
+                <a:latin typeface="+mj-lt"/>
+                <a:ea typeface="+mj-ea"/>
+                <a:cs typeface="+mj-cs"/>
+              </a:defRPr>
+            </a:lvl1pPr>
+          </a:lstStyle>
+          <a:p>
+            <a:pPr algn="l"/>
+            <a:r>
+              <a:rPr lang="en-IN" sz="2800" dirty="0">
+                <a:solidFill>
+                  <a:schemeClr val="bg1"/>
+                </a:solidFill>
+              </a:rPr>
+              <a:t>LIKE Operator:</a:t>
+            </a:r>
+          </a:p>
+        </p:txBody>
+      </p:sp>
+      <p:pic>
+        <p:nvPicPr>
+          <p:cNvPr id="5" name="Picture 4">
+            <a:extLst>
+              <a:ext uri="{FF2B5EF4-FFF2-40B4-BE49-F238E27FC236}">
+                <a16:creationId xmlns:a16="http://schemas.microsoft.com/office/drawing/2014/main" id="{14E68DF0-9B1E-70E5-2700-8EE717DF456D}"/>
+              </a:ext>
+            </a:extLst>
+          </p:cNvPr>
+          <p:cNvPicPr>
+            <a:picLocks noChangeAspect="1"/>
+          </p:cNvPicPr>
+          <p:nvPr/>
+        </p:nvPicPr>
+        <p:blipFill>
+          <a:blip r:embed="rId2"/>
+          <a:stretch>
+            <a:fillRect/>
+          </a:stretch>
+        </p:blipFill>
+        <p:spPr>
+          <a:xfrm>
+            <a:off x="5763675" y="51792"/>
+            <a:ext cx="3380325" cy="445294"/>
+          </a:xfrm>
+          <a:prstGeom prst="rect">
+            <a:avLst/>
+          </a:prstGeom>
+        </p:spPr>
+      </p:pic>
+      <p:sp>
+        <p:nvSpPr>
+          <p:cNvPr id="6" name="Title 1">
+            <a:extLst>
+              <a:ext uri="{FF2B5EF4-FFF2-40B4-BE49-F238E27FC236}">
+                <a16:creationId xmlns:a16="http://schemas.microsoft.com/office/drawing/2014/main" id="{860B9E09-F2C2-3BC8-A04B-3AA064296245}"/>
+              </a:ext>
+            </a:extLst>
+          </p:cNvPr>
+          <p:cNvSpPr txBox="1">
+            <a:spLocks/>
+          </p:cNvSpPr>
+          <p:nvPr/>
+        </p:nvSpPr>
+        <p:spPr>
+          <a:xfrm>
+            <a:off x="0" y="4858718"/>
+            <a:ext cx="9144000" cy="284781"/>
+          </a:xfrm>
+          <a:prstGeom prst="rect">
+            <a:avLst/>
+          </a:prstGeom>
+          <a:solidFill>
+            <a:schemeClr val="tx1"/>
+          </a:solidFill>
+        </p:spPr>
+        <p:txBody>
+          <a:bodyPr vert="horz" lIns="91440" tIns="45720" rIns="91440" bIns="45720" rtlCol="0" anchor="ctr">
+            <a:normAutofit/>
+          </a:bodyPr>
+          <a:lstStyle>
+            <a:lvl1pPr algn="ctr" defTabSz="342900" rtl="0" eaLnBrk="1" latinLnBrk="0" hangingPunct="1">
+              <a:spcBef>
+                <a:spcPct val="0"/>
+              </a:spcBef>
+              <a:buNone/>
+              <a:defRPr sz="3300" kern="1200">
+                <a:solidFill>
+                  <a:schemeClr val="tx1"/>
+                </a:solidFill>
+                <a:latin typeface="+mj-lt"/>
+                <a:ea typeface="+mj-ea"/>
+                <a:cs typeface="+mj-cs"/>
+              </a:defRPr>
+            </a:lvl1pPr>
+          </a:lstStyle>
+          <a:p>
+            <a:r>
+              <a:rPr lang="en-IN" sz="1200" dirty="0">
+                <a:solidFill>
+                  <a:schemeClr val="bg1"/>
+                </a:solidFill>
+              </a:rPr>
+              <a:t>(©) tinitiate.com</a:t>
+            </a:r>
+            <a:endParaRPr lang="en-IN" sz="1000" dirty="0">
+              <a:solidFill>
+                <a:schemeClr val="bg1"/>
+              </a:solidFill>
+            </a:endParaRPr>
           </a:p>
         </p:txBody>
       </p:sp>
@@ -6870,37 +9509,6 @@
       </p:grpSpPr>
       <p:sp>
         <p:nvSpPr>
-          <p:cNvPr id="2" name="Title 1">
-            <a:extLst>
-              <a:ext uri="{FF2B5EF4-FFF2-40B4-BE49-F238E27FC236}">
-                <a16:creationId xmlns:a16="http://schemas.microsoft.com/office/drawing/2014/main" id="{8C438AAC-7410-EB41-6021-B15A76D8CC92}"/>
-              </a:ext>
-            </a:extLst>
-          </p:cNvPr>
-          <p:cNvSpPr>
-            <a:spLocks noGrp="1"/>
-          </p:cNvSpPr>
-          <p:nvPr>
-            <p:ph type="title"/>
-          </p:nvPr>
-        </p:nvSpPr>
-        <p:spPr/>
-        <p:txBody>
-          <a:bodyPr/>
-          <a:lstStyle/>
-          <a:p>
-            <a:pPr marL="0" lvl="0" indent="0">
-              <a:buNone/>
-            </a:pPr>
-            <a:r>
-              <a:rPr dirty="0"/>
-              <a:t>LIKE Operator:</a:t>
-            </a:r>
-          </a:p>
-        </p:txBody>
-      </p:sp>
-      <p:sp>
-        <p:nvSpPr>
           <p:cNvPr id="3" name="Content Placeholder 2">
             <a:extLst>
               <a:ext uri="{FF2B5EF4-FFF2-40B4-BE49-F238E27FC236}">
@@ -6915,7 +9523,12 @@
             <p:ph idx="1"/>
           </p:nvPr>
         </p:nvSpPr>
-        <p:spPr/>
+        <p:spPr>
+          <a:xfrm>
+            <a:off x="457200" y="874514"/>
+            <a:ext cx="8229600" cy="3394472"/>
+          </a:xfrm>
+        </p:spPr>
         <p:txBody>
           <a:bodyPr>
             <a:noAutofit/>
@@ -7075,6 +9688,158 @@
               </a:rPr>
               <a:t>;</a:t>
             </a:r>
+          </a:p>
+        </p:txBody>
+      </p:sp>
+      <p:sp>
+        <p:nvSpPr>
+          <p:cNvPr id="4" name="Title 1">
+            <a:extLst>
+              <a:ext uri="{FF2B5EF4-FFF2-40B4-BE49-F238E27FC236}">
+                <a16:creationId xmlns:a16="http://schemas.microsoft.com/office/drawing/2014/main" id="{20DC66BD-1334-6C29-249F-0B5977EB33AE}"/>
+              </a:ext>
+            </a:extLst>
+          </p:cNvPr>
+          <p:cNvSpPr txBox="1">
+            <a:spLocks/>
+          </p:cNvSpPr>
+          <p:nvPr/>
+        </p:nvSpPr>
+        <p:spPr>
+          <a:xfrm>
+            <a:off x="0" y="1"/>
+            <a:ext cx="9144000" cy="548876"/>
+          </a:xfrm>
+          <a:prstGeom prst="rect">
+            <a:avLst/>
+          </a:prstGeom>
+          <a:solidFill>
+            <a:schemeClr val="tx1"/>
+          </a:solidFill>
+        </p:spPr>
+        <p:txBody>
+          <a:bodyPr vert="horz" lIns="91440" tIns="45720" rIns="91440" bIns="45720" rtlCol="0" anchor="ctr">
+            <a:normAutofit/>
+          </a:bodyPr>
+          <a:lstStyle>
+            <a:lvl1pPr algn="ctr" defTabSz="342900" rtl="0" eaLnBrk="1" latinLnBrk="0" hangingPunct="1">
+              <a:spcBef>
+                <a:spcPct val="0"/>
+              </a:spcBef>
+              <a:buNone/>
+              <a:defRPr sz="3300" kern="1200">
+                <a:solidFill>
+                  <a:schemeClr val="tx1"/>
+                </a:solidFill>
+                <a:latin typeface="+mj-lt"/>
+                <a:ea typeface="+mj-ea"/>
+                <a:cs typeface="+mj-cs"/>
+              </a:defRPr>
+            </a:lvl1pPr>
+          </a:lstStyle>
+          <a:p>
+            <a:pPr algn="l"/>
+            <a:r>
+              <a:rPr lang="en-IN" sz="2800" dirty="0">
+                <a:solidFill>
+                  <a:schemeClr val="bg1"/>
+                </a:solidFill>
+              </a:rPr>
+              <a:t>LIKE Operator:</a:t>
+            </a:r>
+          </a:p>
+        </p:txBody>
+      </p:sp>
+      <p:pic>
+        <p:nvPicPr>
+          <p:cNvPr id="5" name="Picture 4">
+            <a:extLst>
+              <a:ext uri="{FF2B5EF4-FFF2-40B4-BE49-F238E27FC236}">
+                <a16:creationId xmlns:a16="http://schemas.microsoft.com/office/drawing/2014/main" id="{F2D23CAD-797F-52E7-9F2A-EC1AC0E0B3A6}"/>
+              </a:ext>
+            </a:extLst>
+          </p:cNvPr>
+          <p:cNvPicPr>
+            <a:picLocks noChangeAspect="1"/>
+          </p:cNvPicPr>
+          <p:nvPr/>
+        </p:nvPicPr>
+        <p:blipFill>
+          <a:blip r:embed="rId2"/>
+          <a:stretch>
+            <a:fillRect/>
+          </a:stretch>
+        </p:blipFill>
+        <p:spPr>
+          <a:xfrm>
+            <a:off x="5763675" y="51792"/>
+            <a:ext cx="3380325" cy="445294"/>
+          </a:xfrm>
+          <a:prstGeom prst="rect">
+            <a:avLst/>
+          </a:prstGeom>
+        </p:spPr>
+      </p:pic>
+      <p:sp>
+        <p:nvSpPr>
+          <p:cNvPr id="6" name="Title 1">
+            <a:extLst>
+              <a:ext uri="{FF2B5EF4-FFF2-40B4-BE49-F238E27FC236}">
+                <a16:creationId xmlns:a16="http://schemas.microsoft.com/office/drawing/2014/main" id="{ACBE46ED-0B7C-6E14-8268-24295B94B286}"/>
+              </a:ext>
+            </a:extLst>
+          </p:cNvPr>
+          <p:cNvSpPr txBox="1">
+            <a:spLocks/>
+          </p:cNvSpPr>
+          <p:nvPr/>
+        </p:nvSpPr>
+        <p:spPr>
+          <a:xfrm>
+            <a:off x="0" y="4858718"/>
+            <a:ext cx="9144000" cy="284781"/>
+          </a:xfrm>
+          <a:prstGeom prst="rect">
+            <a:avLst/>
+          </a:prstGeom>
+          <a:solidFill>
+            <a:schemeClr val="tx1"/>
+          </a:solidFill>
+        </p:spPr>
+        <p:txBody>
+          <a:bodyPr vert="horz" lIns="91440" tIns="45720" rIns="91440" bIns="45720" rtlCol="0" anchor="ctr">
+            <a:normAutofit/>
+          </a:bodyPr>
+          <a:lstStyle>
+            <a:lvl1pPr algn="ctr" defTabSz="342900" rtl="0" eaLnBrk="1" latinLnBrk="0" hangingPunct="1">
+              <a:spcBef>
+                <a:spcPct val="0"/>
+              </a:spcBef>
+              <a:buNone/>
+              <a:defRPr sz="3300" kern="1200">
+                <a:solidFill>
+                  <a:schemeClr val="tx1"/>
+                </a:solidFill>
+                <a:latin typeface="+mj-lt"/>
+                <a:ea typeface="+mj-ea"/>
+                <a:cs typeface="+mj-cs"/>
+              </a:defRPr>
+            </a:lvl1pPr>
+          </a:lstStyle>
+          <a:p>
+            <a:r>
+              <a:rPr lang="en-IN" sz="1200" dirty="0">
+                <a:solidFill>
+                  <a:schemeClr val="bg1"/>
+                </a:solidFill>
+              </a:rPr>
+              <a:t>(©) tinitiate.com</a:t>
+            </a:r>
+            <a:endParaRPr lang="en-IN" sz="1000" dirty="0">
+              <a:solidFill>
+                <a:schemeClr val="bg1"/>
+              </a:solidFill>
+            </a:endParaRPr>
           </a:p>
         </p:txBody>
       </p:sp>
@@ -7094,9 +9859,9 @@
 <file path=ppt/theme/theme1.xml><?xml version="1.0" encoding="utf-8"?>
 <a:theme xmlns:a="http://schemas.openxmlformats.org/drawingml/2006/main" name="Office Theme">
   <a:themeElements>
-    <a:clrScheme name="Office">
+    <a:clrScheme name="Custom 11">
       <a:dk1>
-        <a:sysClr val="windowText" lastClr="000000"/>
+        <a:srgbClr val="1F497D"/>
       </a:dk1>
       <a:lt1>
         <a:sysClr val="window" lastClr="FFFFFF"/>
